--- a/CRUD Operations/MongoDB CRUD Operations.pptx
+++ b/CRUD Operations/MongoDB CRUD Operations.pptx
@@ -5,21 +5,23 @@
     <p:sldMasterId id="2147483648" r:id="rId1"/>
   </p:sldMasterIdLst>
   <p:notesMasterIdLst>
-    <p:notesMasterId r:id="rId14"/>
+    <p:notesMasterId r:id="rId16"/>
   </p:notesMasterIdLst>
   <p:sldIdLst>
     <p:sldId id="256" r:id="rId2"/>
     <p:sldId id="257" r:id="rId3"/>
-    <p:sldId id="258" r:id="rId4"/>
-    <p:sldId id="264" r:id="rId5"/>
-    <p:sldId id="259" r:id="rId6"/>
-    <p:sldId id="265" r:id="rId7"/>
-    <p:sldId id="260" r:id="rId8"/>
-    <p:sldId id="266" r:id="rId9"/>
-    <p:sldId id="261" r:id="rId10"/>
-    <p:sldId id="267" r:id="rId11"/>
-    <p:sldId id="262" r:id="rId12"/>
-    <p:sldId id="268" r:id="rId13"/>
+    <p:sldId id="269" r:id="rId4"/>
+    <p:sldId id="270" r:id="rId5"/>
+    <p:sldId id="271" r:id="rId6"/>
+    <p:sldId id="272" r:id="rId7"/>
+    <p:sldId id="273" r:id="rId8"/>
+    <p:sldId id="274" r:id="rId9"/>
+    <p:sldId id="275" r:id="rId10"/>
+    <p:sldId id="276" r:id="rId11"/>
+    <p:sldId id="277" r:id="rId12"/>
+    <p:sldId id="278" r:id="rId13"/>
+    <p:sldId id="279" r:id="rId14"/>
+    <p:sldId id="280" r:id="rId15"/>
   </p:sldIdLst>
   <p:sldSz cx="12192000" cy="6858000"/>
   <p:notesSz cx="6858000" cy="9144000"/>
@@ -118,6 +120,11 @@
       </a:defRPr>
     </a:lvl9pPr>
   </p:defaultTextStyle>
+  <p:extLst>
+    <p:ext uri="{EFAFB233-063F-42B5-8137-9DF3F51BA10A}">
+      <p15:sldGuideLst xmlns:p15="http://schemas.microsoft.com/office/powerpoint/2012/main"/>
+    </p:ext>
+  </p:extLst>
 </p:presentation>
 </file>
 
@@ -16265,39 +16272,45 @@
           <a:bodyPr/>
           <a:lstStyle/>
           <a:p>
-            <a:endParaRPr lang="en-US" dirty="0"/>
+            <a:r>
+              <a:rPr lang="en-US" dirty="0"/>
+              <a:t>Insert Documents</a:t>
+            </a:r>
           </a:p>
         </p:txBody>
       </p:sp>
-      <p:pic>
-        <p:nvPicPr>
-          <p:cNvPr id="4" name="Content Placeholder 3"/>
-          <p:cNvPicPr>
-            <a:picLocks noGrp="1" noChangeAspect="1"/>
-          </p:cNvPicPr>
+      <p:sp>
+        <p:nvSpPr>
+          <p:cNvPr id="3" name="Content Placeholder 2"/>
+          <p:cNvSpPr>
+            <a:spLocks noGrp="1"/>
+          </p:cNvSpPr>
           <p:nvPr>
             <p:ph idx="1"/>
           </p:nvPr>
-        </p:nvPicPr>
-        <p:blipFill>
-          <a:blip r:embed="rId2"/>
-          <a:stretch>
-            <a:fillRect/>
-          </a:stretch>
-        </p:blipFill>
-        <p:spPr>
-          <a:xfrm>
-            <a:off x="685800" y="1724891"/>
-            <a:ext cx="11187510" cy="3429000"/>
-          </a:xfrm>
-          <a:prstGeom prst="rect">
-            <a:avLst/>
-          </a:prstGeom>
-        </p:spPr>
-      </p:pic>
+        </p:nvSpPr>
+        <p:spPr/>
+        <p:txBody>
+          <a:bodyPr/>
+          <a:lstStyle/>
+          <a:p>
+            <a:r>
+              <a:rPr lang="en-US" dirty="0" smtClean="0"/>
+              <a:t>Insert One Document</a:t>
+            </a:r>
+          </a:p>
+          <a:p>
+            <a:r>
+              <a:rPr lang="en-US" dirty="0" smtClean="0"/>
+              <a:t>Insert Many Documents</a:t>
+            </a:r>
+            <a:endParaRPr lang="en-US" dirty="0"/>
+          </a:p>
+        </p:txBody>
+      </p:sp>
       <p:sp>
         <p:nvSpPr>
-          <p:cNvPr id="5" name="Footer Placeholder 4"/>
+          <p:cNvPr id="4" name="Footer Placeholder 3"/>
           <p:cNvSpPr>
             <a:spLocks noGrp="1"/>
           </p:cNvSpPr>
@@ -16310,17 +16323,13 @@
           <a:bodyPr/>
           <a:lstStyle/>
           <a:p>
-            <a:r>
-              <a:rPr lang="en-US" dirty="0"/>
-              <a:t>Naga Anshitha Velagapudi</a:t>
-            </a:r>
             <a:endParaRPr lang="en-US" dirty="0"/>
           </a:p>
         </p:txBody>
       </p:sp>
       <p:sp>
         <p:nvSpPr>
-          <p:cNvPr id="6" name="Slide Number Placeholder 5"/>
+          <p:cNvPr id="5" name="Slide Number Placeholder 4"/>
           <p:cNvSpPr>
             <a:spLocks noGrp="1"/>
           </p:cNvSpPr>
@@ -16344,20 +16353,13 @@
     </p:spTree>
     <p:extLst>
       <p:ext uri="{BB962C8B-B14F-4D97-AF65-F5344CB8AC3E}">
-        <p14:creationId xmlns:p14="http://schemas.microsoft.com/office/powerpoint/2010/main" val="3371486749"/>
+        <p14:creationId xmlns:p14="http://schemas.microsoft.com/office/powerpoint/2010/main" val="3572098234"/>
       </p:ext>
     </p:extLst>
   </p:cSld>
   <p:clrMapOvr>
     <a:masterClrMapping/>
   </p:clrMapOvr>
-  <p:timing>
-    <p:tnLst>
-      <p:par>
-        <p:cTn id="1" dur="indefinite" restart="never" nodeType="tmRoot"/>
-      </p:par>
-    </p:tnLst>
-  </p:timing>
 </p:sld>
 </file>
 
@@ -16394,10 +16396,9 @@
           <a:lstStyle/>
           <a:p>
             <a:r>
-              <a:rPr lang="en-US" dirty="0" smtClean="0"/>
-              <a:t>Bulk Operations</a:t>
-            </a:r>
-            <a:endParaRPr lang="en-US" dirty="0"/>
+              <a:rPr lang="en-US" b="1" dirty="0"/>
+              <a:t>Clone One Document</a:t>
+            </a:r>
           </a:p>
         </p:txBody>
       </p:sp>
@@ -16418,41 +16419,54 @@
           <a:p>
             <a:r>
               <a:rPr lang="en-US" dirty="0" smtClean="0"/>
-              <a:t>In Bulk Operations, we can perform any operations in bulk i.e. many at the same time</a:t>
-            </a:r>
-          </a:p>
-          <a:p>
+              <a:t>Go to Find tab in Data Explorer</a:t>
+            </a:r>
+          </a:p>
+          <a:p>
+            <a:r>
+              <a:rPr lang="en-US" dirty="0"/>
+              <a:t>Up to 20 documents displays in the tab</a:t>
+            </a:r>
             <a:r>
               <a:rPr lang="en-US" dirty="0" smtClean="0"/>
-              <a:t>Method – db.collection.bulkWrite()</a:t>
+              <a:t>.</a:t>
             </a:r>
           </a:p>
           <a:p>
             <a:r>
               <a:rPr lang="en-US" dirty="0" smtClean="0"/>
-              <a:t>This bulkWrite() can be ordered or unordered but performs ordered by default.</a:t>
-            </a:r>
-          </a:p>
-          <a:p>
+              <a:t>Specify </a:t>
+            </a:r>
+            <a:r>
+              <a:rPr lang="en-US" dirty="0"/>
+              <a:t>a </a:t>
+            </a:r>
             <a:r>
               <a:rPr lang="en-US" dirty="0" smtClean="0"/>
-              <a:t>When ordered – MongoDB executes serially.</a:t>
-            </a:r>
-          </a:p>
-          <a:p>
+              <a:t>filter(Optional)</a:t>
+            </a:r>
+          </a:p>
+          <a:p>
+            <a:r>
+              <a:rPr lang="en-US" dirty="0"/>
+              <a:t>Clone the </a:t>
+            </a:r>
             <a:r>
               <a:rPr lang="en-US" dirty="0" smtClean="0"/>
-              <a:t>If error occurs, it will return without executing next operations in the queue.</a:t>
-            </a:r>
-          </a:p>
-          <a:p>
-            <a:r>
-              <a:rPr lang="en-US" dirty="0" smtClean="0"/>
-              <a:t>When Unordered – It executes parallel and even if error occurred, it will continue to process remaining operations.</a:t>
-            </a:r>
-          </a:p>
-          <a:p>
-            <a:endParaRPr lang="en-US" dirty="0" smtClean="0"/>
+              <a:t>document</a:t>
+            </a:r>
+          </a:p>
+          <a:p>
+            <a:r>
+              <a:rPr lang="en-US" dirty="0"/>
+              <a:t>Modify the document</a:t>
+            </a:r>
+          </a:p>
+          <a:p>
+            <a:endParaRPr lang="en-US" dirty="0"/>
+          </a:p>
+          <a:p>
+            <a:endParaRPr lang="en-US" b="1" dirty="0"/>
           </a:p>
           <a:p>
             <a:endParaRPr lang="en-US" dirty="0"/>
@@ -16474,10 +16488,6 @@
           <a:bodyPr/>
           <a:lstStyle/>
           <a:p>
-            <a:r>
-              <a:rPr lang="en-US" dirty="0"/>
-              <a:t>Naga Anshitha Velagapudi</a:t>
-            </a:r>
             <a:endParaRPr lang="en-US" dirty="0"/>
           </a:p>
         </p:txBody>
@@ -16508,20 +16518,13 @@
     </p:spTree>
     <p:extLst>
       <p:ext uri="{BB962C8B-B14F-4D97-AF65-F5344CB8AC3E}">
-        <p14:creationId xmlns:p14="http://schemas.microsoft.com/office/powerpoint/2010/main" val="3787475590"/>
+        <p14:creationId xmlns:p14="http://schemas.microsoft.com/office/powerpoint/2010/main" val="952764039"/>
       </p:ext>
     </p:extLst>
   </p:cSld>
   <p:clrMapOvr>
     <a:masterClrMapping/>
   </p:clrMapOvr>
-  <p:timing>
-    <p:tnLst>
-      <p:par>
-        <p:cTn id="1" dur="indefinite" restart="never" nodeType="tmRoot"/>
-      </p:par>
-    </p:tnLst>
-  </p:timing>
 </p:sld>
 </file>
 
@@ -16557,7 +16560,11 @@
           <a:bodyPr/>
           <a:lstStyle/>
           <a:p>
-            <a:endParaRPr lang="en-US"/>
+            <a:r>
+              <a:rPr lang="en-US" dirty="0" smtClean="0"/>
+              <a:t>Edit One Document</a:t>
+            </a:r>
+            <a:endParaRPr lang="en-US" dirty="0"/>
           </a:p>
         </p:txBody>
       </p:sp>
@@ -16577,63 +16584,45 @@
           <a:lstStyle/>
           <a:p>
             <a:r>
+              <a:rPr lang="en-US" dirty="0"/>
+              <a:t>Go to </a:t>
+            </a:r>
+            <a:r>
+              <a:rPr lang="en-US" i="1" dirty="0"/>
+              <a:t>Find</a:t>
+            </a:r>
+            <a:r>
+              <a:rPr lang="en-US" dirty="0"/>
+              <a:t> tab in Data Explorer</a:t>
+            </a:r>
+          </a:p>
+          <a:p>
+            <a:r>
+              <a:rPr lang="en-US" dirty="0"/>
+              <a:t>Specify a </a:t>
+            </a:r>
+            <a:r>
               <a:rPr lang="en-US" dirty="0" smtClean="0"/>
-              <a:t>bulkWrite() is used with following operations</a:t>
-            </a:r>
-          </a:p>
-          <a:p>
-            <a:r>
-              <a:rPr lang="en-US" dirty="0" err="1">
-                <a:hlinkClick r:id="rId2"/>
-              </a:rPr>
-              <a:t>insertOne</a:t>
-            </a:r>
+              <a:t>filter Optional</a:t>
+            </a:r>
+          </a:p>
+          <a:p>
+            <a:r>
+              <a:rPr lang="en-US" dirty="0"/>
+              <a:t>Edit the document</a:t>
+            </a:r>
+          </a:p>
+          <a:p>
+            <a:r>
+              <a:rPr lang="en-US" dirty="0"/>
+              <a:t>Save or cancel changes</a:t>
+            </a:r>
+          </a:p>
+          <a:p>
             <a:endParaRPr lang="en-US" dirty="0"/>
           </a:p>
           <a:p>
-            <a:r>
-              <a:rPr lang="en-US" dirty="0" err="1">
-                <a:hlinkClick r:id="rId3"/>
-              </a:rPr>
-              <a:t>updateOne</a:t>
-            </a:r>
-            <a:endParaRPr lang="en-US" dirty="0"/>
-          </a:p>
-          <a:p>
-            <a:r>
-              <a:rPr lang="en-US" dirty="0" err="1">
-                <a:hlinkClick r:id="rId3"/>
-              </a:rPr>
-              <a:t>updateMany</a:t>
-            </a:r>
-            <a:endParaRPr lang="en-US" dirty="0"/>
-          </a:p>
-          <a:p>
-            <a:r>
-              <a:rPr lang="en-US" dirty="0" err="1">
-                <a:hlinkClick r:id="rId4"/>
-              </a:rPr>
-              <a:t>replaceOne</a:t>
-            </a:r>
-            <a:endParaRPr lang="en-US" dirty="0"/>
-          </a:p>
-          <a:p>
-            <a:r>
-              <a:rPr lang="en-US" dirty="0" err="1">
-                <a:hlinkClick r:id="rId5"/>
-              </a:rPr>
-              <a:t>deleteOne</a:t>
-            </a:r>
-            <a:endParaRPr lang="en-US" dirty="0"/>
-          </a:p>
-          <a:p>
-            <a:r>
-              <a:rPr lang="en-US" dirty="0" err="1">
-                <a:hlinkClick r:id="rId5"/>
-              </a:rPr>
-              <a:t>deleteMany</a:t>
-            </a:r>
-            <a:endParaRPr lang="en-US" dirty="0"/>
+            <a:endParaRPr lang="en-US" b="1" dirty="0"/>
           </a:p>
           <a:p>
             <a:endParaRPr lang="en-US" dirty="0"/>
@@ -16655,10 +16644,6 @@
           <a:bodyPr/>
           <a:lstStyle/>
           <a:p>
-            <a:r>
-              <a:rPr lang="en-US" dirty="0"/>
-              <a:t>Naga Anshitha Velagapudi</a:t>
-            </a:r>
             <a:endParaRPr lang="en-US" dirty="0"/>
           </a:p>
         </p:txBody>
@@ -16689,20 +16674,393 @@
     </p:spTree>
     <p:extLst>
       <p:ext uri="{BB962C8B-B14F-4D97-AF65-F5344CB8AC3E}">
-        <p14:creationId xmlns:p14="http://schemas.microsoft.com/office/powerpoint/2010/main" val="4179964369"/>
+        <p14:creationId xmlns:p14="http://schemas.microsoft.com/office/powerpoint/2010/main" val="3463578775"/>
       </p:ext>
     </p:extLst>
   </p:cSld>
   <p:clrMapOvr>
     <a:masterClrMapping/>
   </p:clrMapOvr>
-  <p:timing>
-    <p:tnLst>
-      <p:par>
-        <p:cTn id="1" dur="indefinite" restart="never" nodeType="tmRoot"/>
-      </p:par>
-    </p:tnLst>
-  </p:timing>
+</p:sld>
+</file>
+
+<file path=ppt/slides/slide13.xml><?xml version="1.0" encoding="utf-8"?>
+<p:sld xmlns:a="http://schemas.openxmlformats.org/drawingml/2006/main" xmlns:r="http://schemas.openxmlformats.org/officeDocument/2006/relationships" xmlns:p="http://schemas.openxmlformats.org/presentationml/2006/main">
+  <p:cSld>
+    <p:spTree>
+      <p:nvGrpSpPr>
+        <p:cNvPr id="1" name=""/>
+        <p:cNvGrpSpPr/>
+        <p:nvPr/>
+      </p:nvGrpSpPr>
+      <p:grpSpPr>
+        <a:xfrm>
+          <a:off x="0" y="0"/>
+          <a:ext cx="0" cy="0"/>
+          <a:chOff x="0" y="0"/>
+          <a:chExt cx="0" cy="0"/>
+        </a:xfrm>
+      </p:grpSpPr>
+      <p:sp>
+        <p:nvSpPr>
+          <p:cNvPr id="2" name="Title 1"/>
+          <p:cNvSpPr>
+            <a:spLocks noGrp="1"/>
+          </p:cNvSpPr>
+          <p:nvPr>
+            <p:ph type="title"/>
+          </p:nvPr>
+        </p:nvSpPr>
+        <p:spPr/>
+        <p:txBody>
+          <a:bodyPr/>
+          <a:lstStyle/>
+          <a:p>
+            <a:r>
+              <a:rPr lang="en-US" dirty="0"/>
+              <a:t>Delete One Document</a:t>
+            </a:r>
+          </a:p>
+        </p:txBody>
+      </p:sp>
+      <p:sp>
+        <p:nvSpPr>
+          <p:cNvPr id="3" name="Content Placeholder 2"/>
+          <p:cNvSpPr>
+            <a:spLocks noGrp="1"/>
+          </p:cNvSpPr>
+          <p:nvPr>
+            <p:ph idx="1"/>
+          </p:nvPr>
+        </p:nvSpPr>
+        <p:spPr/>
+        <p:txBody>
+          <a:bodyPr/>
+          <a:lstStyle/>
+          <a:p>
+            <a:r>
+              <a:rPr lang="en-US" dirty="0"/>
+              <a:t>Go to </a:t>
+            </a:r>
+            <a:r>
+              <a:rPr lang="en-US" i="1" dirty="0"/>
+              <a:t>Find</a:t>
+            </a:r>
+            <a:r>
+              <a:rPr lang="en-US" dirty="0"/>
+              <a:t> tab in Data Explorer</a:t>
+            </a:r>
+          </a:p>
+          <a:p>
+            <a:r>
+              <a:rPr lang="en-US" dirty="0"/>
+              <a:t>Specify a </a:t>
+            </a:r>
+            <a:r>
+              <a:rPr lang="en-US" dirty="0" smtClean="0"/>
+              <a:t>filter(Optiona</a:t>
+            </a:r>
+            <a:r>
+              <a:rPr lang="en-US" dirty="0"/>
+              <a:t>l</a:t>
+            </a:r>
+            <a:r>
+              <a:rPr lang="en-US" dirty="0" smtClean="0"/>
+              <a:t>)</a:t>
+            </a:r>
+            <a:endParaRPr lang="en-US" dirty="0"/>
+          </a:p>
+          <a:p>
+            <a:r>
+              <a:rPr lang="en-US" dirty="0"/>
+              <a:t>Delete the document</a:t>
+            </a:r>
+          </a:p>
+          <a:p>
+            <a:r>
+              <a:rPr lang="en-US" dirty="0"/>
+              <a:t>To confirm, click the </a:t>
+            </a:r>
+            <a:r>
+              <a:rPr lang="en-US" i="1" dirty="0"/>
+              <a:t>Delete</a:t>
+            </a:r>
+            <a:r>
+              <a:rPr lang="en-US" dirty="0"/>
+              <a:t> </a:t>
+            </a:r>
+            <a:r>
+              <a:rPr lang="en-US" dirty="0" smtClean="0"/>
+              <a:t>button</a:t>
+            </a:r>
+            <a:endParaRPr lang="en-US" dirty="0"/>
+          </a:p>
+          <a:p>
+            <a:endParaRPr lang="en-US" dirty="0"/>
+          </a:p>
+        </p:txBody>
+      </p:sp>
+      <p:sp>
+        <p:nvSpPr>
+          <p:cNvPr id="4" name="Footer Placeholder 3"/>
+          <p:cNvSpPr>
+            <a:spLocks noGrp="1"/>
+          </p:cNvSpPr>
+          <p:nvPr>
+            <p:ph type="ftr" sz="quarter" idx="11"/>
+          </p:nvPr>
+        </p:nvSpPr>
+        <p:spPr/>
+        <p:txBody>
+          <a:bodyPr/>
+          <a:lstStyle/>
+          <a:p>
+            <a:endParaRPr lang="en-US" dirty="0"/>
+          </a:p>
+        </p:txBody>
+      </p:sp>
+      <p:sp>
+        <p:nvSpPr>
+          <p:cNvPr id="5" name="Slide Number Placeholder 4"/>
+          <p:cNvSpPr>
+            <a:spLocks noGrp="1"/>
+          </p:cNvSpPr>
+          <p:nvPr>
+            <p:ph type="sldNum" sz="quarter" idx="12"/>
+          </p:nvPr>
+        </p:nvSpPr>
+        <p:spPr/>
+        <p:txBody>
+          <a:bodyPr/>
+          <a:lstStyle/>
+          <a:p>
+            <a:fld id="{6D22F896-40B5-4ADD-8801-0D06FADFA095}" type="slidenum">
+              <a:rPr lang="en-US" smtClean="0"/>
+              <a:t>13</a:t>
+            </a:fld>
+            <a:endParaRPr lang="en-US" dirty="0"/>
+          </a:p>
+        </p:txBody>
+      </p:sp>
+    </p:spTree>
+    <p:extLst>
+      <p:ext uri="{BB962C8B-B14F-4D97-AF65-F5344CB8AC3E}">
+        <p14:creationId xmlns:p14="http://schemas.microsoft.com/office/powerpoint/2010/main" val="1531602320"/>
+      </p:ext>
+    </p:extLst>
+  </p:cSld>
+  <p:clrMapOvr>
+    <a:masterClrMapping/>
+  </p:clrMapOvr>
+</p:sld>
+</file>
+
+<file path=ppt/slides/slide14.xml><?xml version="1.0" encoding="utf-8"?>
+<p:sld xmlns:a="http://schemas.openxmlformats.org/drawingml/2006/main" xmlns:r="http://schemas.openxmlformats.org/officeDocument/2006/relationships" xmlns:p="http://schemas.openxmlformats.org/presentationml/2006/main">
+  <p:cSld>
+    <p:spTree>
+      <p:nvGrpSpPr>
+        <p:cNvPr id="1" name=""/>
+        <p:cNvGrpSpPr/>
+        <p:nvPr/>
+      </p:nvGrpSpPr>
+      <p:grpSpPr>
+        <a:xfrm>
+          <a:off x="0" y="0"/>
+          <a:ext cx="0" cy="0"/>
+          <a:chOff x="0" y="0"/>
+          <a:chExt cx="0" cy="0"/>
+        </a:xfrm>
+      </p:grpSpPr>
+      <p:sp>
+        <p:nvSpPr>
+          <p:cNvPr id="2" name="Title 1"/>
+          <p:cNvSpPr>
+            <a:spLocks noGrp="1"/>
+          </p:cNvSpPr>
+          <p:nvPr>
+            <p:ph type="title"/>
+          </p:nvPr>
+        </p:nvSpPr>
+        <p:spPr/>
+        <p:txBody>
+          <a:bodyPr/>
+          <a:lstStyle/>
+          <a:p>
+            <a:r>
+              <a:rPr lang="en-US" dirty="0"/>
+              <a:t>Create an Index</a:t>
+            </a:r>
+            <a:br>
+              <a:rPr lang="en-US" dirty="0"/>
+            </a:br>
+            <a:endParaRPr lang="en-US" dirty="0"/>
+          </a:p>
+        </p:txBody>
+      </p:sp>
+      <p:sp>
+        <p:nvSpPr>
+          <p:cNvPr id="3" name="Content Placeholder 2"/>
+          <p:cNvSpPr>
+            <a:spLocks noGrp="1"/>
+          </p:cNvSpPr>
+          <p:nvPr>
+            <p:ph idx="1"/>
+          </p:nvPr>
+        </p:nvSpPr>
+        <p:spPr>
+          <a:xfrm>
+            <a:off x="5111551" y="1609378"/>
+            <a:ext cx="6281873" cy="5248622"/>
+          </a:xfrm>
+        </p:spPr>
+        <p:txBody>
+          <a:bodyPr/>
+          <a:lstStyle/>
+          <a:p>
+            <a:r>
+              <a:rPr lang="en-US" dirty="0"/>
+              <a:t>Click the </a:t>
+            </a:r>
+            <a:r>
+              <a:rPr lang="en-US" i="1" dirty="0"/>
+              <a:t>Indexes</a:t>
+            </a:r>
+            <a:r>
+              <a:rPr lang="en-US" dirty="0"/>
+              <a:t> tab</a:t>
+            </a:r>
+          </a:p>
+          <a:p>
+            <a:r>
+              <a:rPr lang="en-US" dirty="0"/>
+              <a:t>Click </a:t>
+            </a:r>
+            <a:r>
+              <a:rPr lang="en-US" i="1" dirty="0"/>
+              <a:t>Create Index</a:t>
+            </a:r>
+            <a:endParaRPr lang="en-US" dirty="0"/>
+          </a:p>
+          <a:p>
+            <a:r>
+              <a:rPr lang="en-US" dirty="0"/>
+              <a:t>Specify </a:t>
+            </a:r>
+            <a:r>
+              <a:rPr lang="en-US" dirty="0" smtClean="0"/>
+              <a:t>the index options(Optional)</a:t>
+            </a:r>
+          </a:p>
+          <a:p>
+            <a:r>
+              <a:rPr lang="en-US" dirty="0"/>
+              <a:t>Set the </a:t>
+            </a:r>
+            <a:r>
+              <a:rPr lang="en-US" dirty="0" smtClean="0"/>
+              <a:t>Collation</a:t>
+            </a:r>
+            <a:r>
+              <a:rPr lang="en-US" dirty="0"/>
+              <a:t> </a:t>
+            </a:r>
+            <a:r>
+              <a:rPr lang="en-US" dirty="0" smtClean="0"/>
+              <a:t>options(Optional)</a:t>
+            </a:r>
+          </a:p>
+          <a:p>
+            <a:r>
+              <a:rPr lang="en-US" dirty="0"/>
+              <a:t>Click </a:t>
+            </a:r>
+            <a:r>
+              <a:rPr lang="en-US" i="1" dirty="0"/>
+              <a:t>Create</a:t>
+            </a:r>
+            <a:endParaRPr lang="en-US" dirty="0"/>
+          </a:p>
+          <a:p>
+            <a:r>
+              <a:rPr lang="en-US" dirty="0"/>
+              <a:t>In the </a:t>
+            </a:r>
+            <a:r>
+              <a:rPr lang="en-US" i="1" dirty="0"/>
+              <a:t>Confirm Operation</a:t>
+            </a:r>
+            <a:r>
+              <a:rPr lang="en-US" dirty="0"/>
+              <a:t> modal, confirm your index</a:t>
+            </a:r>
+          </a:p>
+          <a:p>
+            <a:endParaRPr lang="en-US" b="1" dirty="0" smtClean="0"/>
+          </a:p>
+          <a:p>
+            <a:endParaRPr lang="en-US" b="1" dirty="0"/>
+          </a:p>
+          <a:p>
+            <a:endParaRPr lang="en-US" b="1" dirty="0"/>
+          </a:p>
+          <a:p>
+            <a:endParaRPr lang="en-US" dirty="0"/>
+          </a:p>
+        </p:txBody>
+      </p:sp>
+      <p:sp>
+        <p:nvSpPr>
+          <p:cNvPr id="4" name="Footer Placeholder 3"/>
+          <p:cNvSpPr>
+            <a:spLocks noGrp="1"/>
+          </p:cNvSpPr>
+          <p:nvPr>
+            <p:ph type="ftr" sz="quarter" idx="11"/>
+          </p:nvPr>
+        </p:nvSpPr>
+        <p:spPr/>
+        <p:txBody>
+          <a:bodyPr/>
+          <a:lstStyle/>
+          <a:p>
+            <a:endParaRPr lang="en-US" dirty="0"/>
+          </a:p>
+        </p:txBody>
+      </p:sp>
+      <p:sp>
+        <p:nvSpPr>
+          <p:cNvPr id="5" name="Slide Number Placeholder 4"/>
+          <p:cNvSpPr>
+            <a:spLocks noGrp="1"/>
+          </p:cNvSpPr>
+          <p:nvPr>
+            <p:ph type="sldNum" sz="quarter" idx="12"/>
+          </p:nvPr>
+        </p:nvSpPr>
+        <p:spPr/>
+        <p:txBody>
+          <a:bodyPr/>
+          <a:lstStyle/>
+          <a:p>
+            <a:fld id="{6D22F896-40B5-4ADD-8801-0D06FADFA095}" type="slidenum">
+              <a:rPr lang="en-US" smtClean="0"/>
+              <a:t>14</a:t>
+            </a:fld>
+            <a:endParaRPr lang="en-US" dirty="0"/>
+          </a:p>
+        </p:txBody>
+      </p:sp>
+    </p:spTree>
+    <p:extLst>
+      <p:ext uri="{BB962C8B-B14F-4D97-AF65-F5344CB8AC3E}">
+        <p14:creationId xmlns:p14="http://schemas.microsoft.com/office/powerpoint/2010/main" val="3382410855"/>
+      </p:ext>
+    </p:extLst>
+  </p:cSld>
+  <p:clrMapOvr>
+    <a:masterClrMapping/>
+  </p:clrMapOvr>
 </p:sld>
 </file>
 
@@ -16802,12 +17160,6 @@
             <a:endParaRPr lang="en-US" dirty="0"/>
           </a:p>
           <a:p>
-            <a:r>
-              <a:rPr lang="en-US" dirty="0">
-                <a:hlinkClick r:id="rId6"/>
-              </a:rPr>
-              <a:t>Bulk Write</a:t>
-            </a:r>
             <a:endParaRPr lang="en-US" dirty="0"/>
           </a:p>
           <a:p>
@@ -16913,11 +17265,7 @@
           <a:bodyPr/>
           <a:lstStyle/>
           <a:p>
-            <a:r>
-              <a:rPr lang="en-US" dirty="0" smtClean="0"/>
-              <a:t>Create Operations</a:t>
-            </a:r>
-            <a:endParaRPr lang="en-US" dirty="0"/>
+            <a:endParaRPr lang="en-US"/>
           </a:p>
         </p:txBody>
       </p:sp>
@@ -16938,309 +17286,47 @@
           <a:p>
             <a:r>
               <a:rPr lang="en-US" dirty="0" smtClean="0"/>
-              <a:t>Create Operation will either create or insert new documents into a collection.</a:t>
+              <a:t>In order to perform CRUD operations in MongoDB atlas, we have to</a:t>
+            </a:r>
+          </a:p>
+          <a:p>
+            <a:r>
+              <a:rPr lang="en-US" dirty="0"/>
+              <a:t>View Databases and Collections</a:t>
             </a:r>
           </a:p>
           <a:p>
             <a:r>
               <a:rPr lang="en-US" dirty="0" smtClean="0"/>
-              <a:t>If a collection is not available, then insert operation will create a new collection</a:t>
+              <a:t>Create a Database</a:t>
             </a:r>
           </a:p>
           <a:p>
             <a:r>
               <a:rPr lang="en-US" dirty="0" smtClean="0"/>
-              <a:t>For inserting one document – </a:t>
-            </a:r>
-          </a:p>
-          <a:p>
-            <a:pPr marL="0" indent="0">
-              <a:buNone/>
-            </a:pPr>
+              <a:t>Create a collection</a:t>
+            </a:r>
+          </a:p>
+          <a:p>
             <a:r>
               <a:rPr lang="en-US" dirty="0" smtClean="0"/>
-              <a:t>    Method - db.collection.insertOne()</a:t>
+              <a:t>Drop Database</a:t>
             </a:r>
           </a:p>
           <a:p>
             <a:r>
               <a:rPr lang="en-US" dirty="0" smtClean="0"/>
-              <a:t>For inserting many documents –</a:t>
-            </a:r>
-          </a:p>
-          <a:p>
-            <a:pPr marL="0" indent="0">
-              <a:buNone/>
-            </a:pPr>
-            <a:r>
-              <a:rPr lang="en-US" dirty="0"/>
-              <a:t> </a:t>
-            </a:r>
-            <a:r>
-              <a:rPr lang="en-US" dirty="0" smtClean="0"/>
-              <a:t>   Method - db.collecting.insertMany() </a:t>
-            </a:r>
-          </a:p>
-          <a:p>
-            <a:pPr marL="0" indent="0">
-              <a:buNone/>
-            </a:pPr>
+              <a:t>Drop Collection</a:t>
+            </a:r>
+          </a:p>
+          <a:p>
             <a:endParaRPr lang="en-US" dirty="0"/>
           </a:p>
         </p:txBody>
       </p:sp>
       <p:sp>
         <p:nvSpPr>
-          <p:cNvPr id="4" name="Rectangle 1"/>
-          <p:cNvSpPr>
-            <a:spLocks noChangeArrowheads="1"/>
-          </p:cNvSpPr>
-          <p:nvPr/>
-        </p:nvSpPr>
-        <p:spPr bwMode="auto">
-          <a:xfrm>
-            <a:off x="1423853" y="929228"/>
-            <a:ext cx="182880" cy="366739"/>
-          </a:xfrm>
-          <a:prstGeom prst="rect">
-            <a:avLst/>
-          </a:prstGeom>
-          <a:solidFill>
-            <a:srgbClr val="FFFFFF"/>
-          </a:solidFill>
-          <a:ln>
-            <a:noFill/>
-          </a:ln>
-          <a:effectLst/>
-          <a:extLst>
-            <a:ext uri="{91240B29-F687-4F45-9708-019B960494DF}">
-              <a14:hiddenLine xmlns:a14="http://schemas.microsoft.com/office/drawing/2010/main" w="9525">
-                <a:solidFill>
-                  <a:schemeClr val="tx1"/>
-                </a:solidFill>
-                <a:miter lim="800000"/>
-                <a:headEnd/>
-                <a:tailEnd/>
-              </a14:hiddenLine>
-            </a:ext>
-            <a:ext uri="{AF507438-7753-43E0-B8FC-AC1667EBCBE1}">
-              <a14:hiddenEffects xmlns:a14="http://schemas.microsoft.com/office/drawing/2010/main">
-                <a:effectLst>
-                  <a:outerShdw dist="35921" dir="2700000" algn="ctr" rotWithShape="0">
-                    <a:schemeClr val="bg2"/>
-                  </a:outerShdw>
-                </a:effectLst>
-              </a14:hiddenEffects>
-            </a:ext>
-          </a:extLst>
-        </p:spPr>
-        <p:txBody>
-          <a:bodyPr vert="horz" wrap="square" lIns="91440" tIns="0" rIns="91440" bIns="88872" numCol="1" anchor="ctr" anchorCtr="0" compatLnSpc="1">
-            <a:prstTxWarp prst="textNoShape">
-              <a:avLst/>
-            </a:prstTxWarp>
-            <a:spAutoFit/>
-          </a:bodyPr>
-          <a:lstStyle/>
-          <a:p>
-            <a:pPr marL="0" marR="0" lvl="0" indent="0" algn="l" defTabSz="914400" rtl="0" eaLnBrk="0" fontAlgn="base" latinLnBrk="0" hangingPunct="0">
-              <a:lnSpc>
-                <a:spcPct val="100000"/>
-              </a:lnSpc>
-              <a:spcBef>
-                <a:spcPct val="0"/>
-              </a:spcBef>
-              <a:spcAft>
-                <a:spcPct val="0"/>
-              </a:spcAft>
-              <a:buClrTx/>
-              <a:buSzTx/>
-              <a:buFontTx/>
-              <a:buNone/>
-              <a:tabLst/>
-            </a:pPr>
-            <a:endParaRPr kumimoji="0" lang="en-US" altLang="en-US" sz="1800" b="0" i="0" u="none" strike="noStrike" cap="none" normalizeH="0" baseline="0" dirty="0" smtClean="0">
-              <a:ln>
-                <a:noFill/>
-              </a:ln>
-              <a:solidFill>
-                <a:schemeClr val="tx1"/>
-              </a:solidFill>
-              <a:effectLst/>
-              <a:latin typeface="Arial" panose="020B0604020202020204" pitchFamily="34" charset="0"/>
-            </a:endParaRPr>
-          </a:p>
-        </p:txBody>
-      </p:sp>
-      <p:sp>
-        <p:nvSpPr>
-          <p:cNvPr id="5" name="Rectangle 2"/>
-          <p:cNvSpPr>
-            <a:spLocks noChangeArrowheads="1"/>
-          </p:cNvSpPr>
-          <p:nvPr/>
-        </p:nvSpPr>
-        <p:spPr bwMode="auto">
-          <a:xfrm>
-            <a:off x="152400" y="15197"/>
-            <a:ext cx="184731" cy="274406"/>
-          </a:xfrm>
-          <a:prstGeom prst="rect">
-            <a:avLst/>
-          </a:prstGeom>
-          <a:solidFill>
-            <a:srgbClr val="FFFFFF"/>
-          </a:solidFill>
-          <a:ln>
-            <a:noFill/>
-          </a:ln>
-          <a:effectLst/>
-          <a:extLst>
-            <a:ext uri="{91240B29-F687-4F45-9708-019B960494DF}">
-              <a14:hiddenLine xmlns:a14="http://schemas.microsoft.com/office/drawing/2010/main" w="9525">
-                <a:solidFill>
-                  <a:schemeClr val="tx1"/>
-                </a:solidFill>
-                <a:miter lim="800000"/>
-                <a:headEnd/>
-                <a:tailEnd/>
-              </a14:hiddenLine>
-            </a:ext>
-            <a:ext uri="{AF507438-7753-43E0-B8FC-AC1667EBCBE1}">
-              <a14:hiddenEffects xmlns:a14="http://schemas.microsoft.com/office/drawing/2010/main">
-                <a:effectLst>
-                  <a:outerShdw dist="35921" dir="2700000" algn="ctr" rotWithShape="0">
-                    <a:schemeClr val="bg2"/>
-                  </a:outerShdw>
-                </a:effectLst>
-              </a14:hiddenEffects>
-            </a:ext>
-          </a:extLst>
-        </p:spPr>
-        <p:txBody>
-          <a:bodyPr vert="horz" wrap="none" lIns="91440" tIns="0" rIns="91440" bIns="88872" numCol="1" anchor="ctr" anchorCtr="0" compatLnSpc="1">
-            <a:prstTxWarp prst="textNoShape">
-              <a:avLst/>
-            </a:prstTxWarp>
-            <a:spAutoFit/>
-          </a:bodyPr>
-          <a:lstStyle/>
-          <a:p>
-            <a:pPr marL="0" marR="0" lvl="0" indent="0" algn="l" defTabSz="914400" rtl="0" eaLnBrk="0" fontAlgn="base" latinLnBrk="0" hangingPunct="0">
-              <a:lnSpc>
-                <a:spcPct val="100000"/>
-              </a:lnSpc>
-              <a:spcBef>
-                <a:spcPct val="0"/>
-              </a:spcBef>
-              <a:spcAft>
-                <a:spcPct val="0"/>
-              </a:spcAft>
-              <a:buClrTx/>
-              <a:buSzTx/>
-              <a:buFontTx/>
-              <a:buNone/>
-              <a:tabLst/>
-            </a:pPr>
-            <a:endParaRPr kumimoji="0" lang="en-US" altLang="en-US" sz="1200" b="0" i="0" u="none" strike="noStrike" cap="none" normalizeH="0" baseline="0" dirty="0" smtClean="0">
-              <a:ln>
-                <a:noFill/>
-              </a:ln>
-              <a:solidFill>
-                <a:srgbClr val="494747"/>
-              </a:solidFill>
-              <a:effectLst/>
-              <a:latin typeface="Akzidenz"/>
-            </a:endParaRPr>
-          </a:p>
-        </p:txBody>
-      </p:sp>
-      <p:sp>
-        <p:nvSpPr>
-          <p:cNvPr id="6" name="Rectangle 3"/>
-          <p:cNvSpPr>
-            <a:spLocks noChangeArrowheads="1"/>
-          </p:cNvSpPr>
-          <p:nvPr/>
-        </p:nvSpPr>
-        <p:spPr bwMode="auto">
-          <a:xfrm>
-            <a:off x="304800" y="121430"/>
-            <a:ext cx="243840" cy="366739"/>
-          </a:xfrm>
-          <a:prstGeom prst="rect">
-            <a:avLst/>
-          </a:prstGeom>
-          <a:solidFill>
-            <a:srgbClr val="FFFFFF"/>
-          </a:solidFill>
-          <a:ln>
-            <a:noFill/>
-          </a:ln>
-          <a:effectLst/>
-          <a:extLst>
-            <a:ext uri="{91240B29-F687-4F45-9708-019B960494DF}">
-              <a14:hiddenLine xmlns:a14="http://schemas.microsoft.com/office/drawing/2010/main" w="9525">
-                <a:solidFill>
-                  <a:schemeClr val="tx1"/>
-                </a:solidFill>
-                <a:miter lim="800000"/>
-                <a:headEnd/>
-                <a:tailEnd/>
-              </a14:hiddenLine>
-            </a:ext>
-            <a:ext uri="{AF507438-7753-43E0-B8FC-AC1667EBCBE1}">
-              <a14:hiddenEffects xmlns:a14="http://schemas.microsoft.com/office/drawing/2010/main">
-                <a:effectLst>
-                  <a:outerShdw dist="35921" dir="2700000" algn="ctr" rotWithShape="0">
-                    <a:schemeClr val="bg2"/>
-                  </a:outerShdw>
-                </a:effectLst>
-              </a14:hiddenEffects>
-            </a:ext>
-          </a:extLst>
-        </p:spPr>
-        <p:txBody>
-          <a:bodyPr vert="horz" wrap="square" lIns="91440" tIns="0" rIns="91440" bIns="88872" numCol="1" anchor="ctr" anchorCtr="0" compatLnSpc="1">
-            <a:prstTxWarp prst="textNoShape">
-              <a:avLst/>
-            </a:prstTxWarp>
-            <a:spAutoFit/>
-          </a:bodyPr>
-          <a:lstStyle/>
-          <a:p>
-            <a:pPr marL="0" marR="0" lvl="0" indent="0" algn="l" defTabSz="914400" rtl="0" eaLnBrk="0" fontAlgn="base" latinLnBrk="0" hangingPunct="0">
-              <a:lnSpc>
-                <a:spcPct val="100000"/>
-              </a:lnSpc>
-              <a:spcBef>
-                <a:spcPct val="0"/>
-              </a:spcBef>
-              <a:spcAft>
-                <a:spcPct val="0"/>
-              </a:spcAft>
-              <a:buClrTx/>
-              <a:buSzTx/>
-              <a:buFontTx/>
-              <a:buNone/>
-              <a:tabLst/>
-            </a:pPr>
-            <a:endParaRPr kumimoji="0" lang="en-US" altLang="en-US" sz="1800" b="0" i="0" u="none" strike="noStrike" cap="none" normalizeH="0" baseline="0" dirty="0" smtClean="0">
-              <a:ln>
-                <a:noFill/>
-              </a:ln>
-              <a:solidFill>
-                <a:schemeClr val="tx1"/>
-              </a:solidFill>
-              <a:effectLst/>
-              <a:latin typeface="Arial" panose="020B0604020202020204" pitchFamily="34" charset="0"/>
-            </a:endParaRPr>
-          </a:p>
-        </p:txBody>
-      </p:sp>
-      <p:sp>
-        <p:nvSpPr>
-          <p:cNvPr id="7" name="Footer Placeholder 6"/>
+          <p:cNvPr id="4" name="Footer Placeholder 3"/>
           <p:cNvSpPr>
             <a:spLocks noGrp="1"/>
           </p:cNvSpPr>
@@ -17253,17 +17339,13 @@
           <a:bodyPr/>
           <a:lstStyle/>
           <a:p>
-            <a:r>
-              <a:rPr lang="en-US" dirty="0" smtClean="0"/>
-              <a:t>Naga Anshitha Velagapudi</a:t>
-            </a:r>
             <a:endParaRPr lang="en-US" dirty="0"/>
           </a:p>
         </p:txBody>
       </p:sp>
       <p:sp>
         <p:nvSpPr>
-          <p:cNvPr id="8" name="Slide Number Placeholder 7"/>
+          <p:cNvPr id="5" name="Slide Number Placeholder 4"/>
           <p:cNvSpPr>
             <a:spLocks noGrp="1"/>
           </p:cNvSpPr>
@@ -17287,20 +17369,13 @@
     </p:spTree>
     <p:extLst>
       <p:ext uri="{BB962C8B-B14F-4D97-AF65-F5344CB8AC3E}">
-        <p14:creationId xmlns:p14="http://schemas.microsoft.com/office/powerpoint/2010/main" val="193952576"/>
+        <p14:creationId xmlns:p14="http://schemas.microsoft.com/office/powerpoint/2010/main" val="1357152455"/>
       </p:ext>
     </p:extLst>
   </p:cSld>
   <p:clrMapOvr>
     <a:masterClrMapping/>
   </p:clrMapOvr>
-  <p:timing>
-    <p:tnLst>
-      <p:par>
-        <p:cTn id="1" dur="indefinite" restart="never" nodeType="tmRoot"/>
-      </p:par>
-    </p:tnLst>
-  </p:timing>
 </p:sld>
 </file>
 
@@ -17340,35 +17415,55 @@
           </a:p>
         </p:txBody>
       </p:sp>
-      <p:pic>
-        <p:nvPicPr>
-          <p:cNvPr id="5" name="Content Placeholder 4"/>
-          <p:cNvPicPr>
-            <a:picLocks noGrp="1" noChangeAspect="1"/>
-          </p:cNvPicPr>
+      <p:sp>
+        <p:nvSpPr>
+          <p:cNvPr id="3" name="Content Placeholder 2"/>
+          <p:cNvSpPr>
+            <a:spLocks noGrp="1"/>
+          </p:cNvSpPr>
           <p:nvPr>
             <p:ph idx="1"/>
           </p:nvPr>
-        </p:nvPicPr>
-        <p:blipFill>
-          <a:blip r:embed="rId2"/>
-          <a:stretch>
-            <a:fillRect/>
-          </a:stretch>
-        </p:blipFill>
-        <p:spPr>
-          <a:xfrm>
-            <a:off x="727363" y="1634547"/>
-            <a:ext cx="10470709" cy="3517503"/>
-          </a:xfrm>
-          <a:prstGeom prst="rect">
-            <a:avLst/>
-          </a:prstGeom>
-        </p:spPr>
-      </p:pic>
+        </p:nvSpPr>
+        <p:spPr/>
+        <p:txBody>
+          <a:bodyPr/>
+          <a:lstStyle/>
+          <a:p>
+            <a:r>
+              <a:rPr lang="en-US" dirty="0" smtClean="0"/>
+              <a:t>Manage Databases and collections in your cluster</a:t>
+            </a:r>
+          </a:p>
+          <a:p>
+            <a:r>
+              <a:rPr lang="en-US" dirty="0" smtClean="0"/>
+              <a:t>Manage Documents in your collections</a:t>
+            </a:r>
+          </a:p>
+          <a:p>
+            <a:r>
+              <a:rPr lang="en-US" dirty="0" smtClean="0"/>
+              <a:t>Manage Indexes on your clusters</a:t>
+            </a:r>
+          </a:p>
+          <a:p>
+            <a:r>
+              <a:rPr lang="en-US" dirty="0" smtClean="0"/>
+              <a:t>Create and run aggregation pipelines to process data in your collections</a:t>
+            </a:r>
+          </a:p>
+          <a:p>
+            <a:endParaRPr lang="en-US" dirty="0" smtClean="0"/>
+          </a:p>
+          <a:p>
+            <a:endParaRPr lang="en-US" dirty="0"/>
+          </a:p>
+        </p:txBody>
+      </p:sp>
       <p:sp>
         <p:nvSpPr>
-          <p:cNvPr id="6" name="Footer Placeholder 5"/>
+          <p:cNvPr id="4" name="Footer Placeholder 3"/>
           <p:cNvSpPr>
             <a:spLocks noGrp="1"/>
           </p:cNvSpPr>
@@ -17381,17 +17476,13 @@
           <a:bodyPr/>
           <a:lstStyle/>
           <a:p>
-            <a:r>
-              <a:rPr lang="en-US" dirty="0" smtClean="0"/>
-              <a:t>Naga Anshitha Velagapudi</a:t>
-            </a:r>
             <a:endParaRPr lang="en-US" dirty="0"/>
           </a:p>
         </p:txBody>
       </p:sp>
       <p:sp>
         <p:nvSpPr>
-          <p:cNvPr id="7" name="Slide Number Placeholder 6"/>
+          <p:cNvPr id="5" name="Slide Number Placeholder 4"/>
           <p:cNvSpPr>
             <a:spLocks noGrp="1"/>
           </p:cNvSpPr>
@@ -17415,20 +17506,13 @@
     </p:spTree>
     <p:extLst>
       <p:ext uri="{BB962C8B-B14F-4D97-AF65-F5344CB8AC3E}">
-        <p14:creationId xmlns:p14="http://schemas.microsoft.com/office/powerpoint/2010/main" val="4287999701"/>
+        <p14:creationId xmlns:p14="http://schemas.microsoft.com/office/powerpoint/2010/main" val="2972676479"/>
       </p:ext>
     </p:extLst>
   </p:cSld>
   <p:clrMapOvr>
     <a:masterClrMapping/>
   </p:clrMapOvr>
-  <p:timing>
-    <p:tnLst>
-      <p:par>
-        <p:cTn id="1" dur="indefinite" restart="never" nodeType="tmRoot"/>
-      </p:par>
-    </p:tnLst>
-  </p:timing>
 </p:sld>
 </file>
 
@@ -17461,12 +17545,21 @@
         </p:nvSpPr>
         <p:spPr/>
         <p:txBody>
-          <a:bodyPr/>
+          <a:bodyPr>
+            <a:normAutofit fontScale="90000"/>
+          </a:bodyPr>
           <a:lstStyle/>
           <a:p>
             <a:r>
+              <a:rPr lang="en-US" dirty="0"/>
+              <a:t>Manage Databases and collections in your cluster</a:t>
+            </a:r>
+            <a:br>
+              <a:rPr lang="en-US" dirty="0"/>
+            </a:br>
+            <a:r>
               <a:rPr lang="en-US" dirty="0" smtClean="0"/>
-              <a:t>Read Operations</a:t>
+              <a:t> </a:t>
             </a:r>
             <a:endParaRPr lang="en-US" dirty="0"/>
           </a:p>
@@ -17488,22 +17581,97 @@
           <a:lstStyle/>
           <a:p>
             <a:r>
+              <a:rPr lang="en-US" dirty="0"/>
+              <a:t>You can use the </a:t>
+            </a:r>
+            <a:r>
+              <a:rPr lang="en-US" b="1" dirty="0"/>
+              <a:t>Data Explorer</a:t>
+            </a:r>
+            <a:r>
+              <a:rPr lang="en-US" dirty="0"/>
+              <a:t> to manage your cluster’s databases and collections</a:t>
+            </a:r>
+            <a:r>
               <a:rPr lang="en-US" dirty="0" smtClean="0"/>
-              <a:t>Read operation will retrieve documents from given collection.</a:t>
-            </a:r>
-          </a:p>
-          <a:p>
+              <a:t>.</a:t>
+            </a:r>
+          </a:p>
+          <a:p>
+            <a:r>
+              <a:rPr lang="en-US" dirty="0"/>
+              <a:t>To access the </a:t>
+            </a:r>
+            <a:r>
+              <a:rPr lang="en-US" b="1" dirty="0"/>
+              <a:t>Data Explorer</a:t>
+            </a:r>
+            <a:r>
+              <a:rPr lang="en-US" dirty="0"/>
+              <a:t>:</a:t>
+            </a:r>
+          </a:p>
+          <a:p>
+            <a:pPr marL="0" indent="0">
+              <a:buNone/>
+            </a:pPr>
             <a:r>
               <a:rPr lang="en-US" dirty="0" smtClean="0"/>
-              <a:t>Method – db.collection.find()</a:t>
-            </a:r>
+              <a:t>    a. Click</a:t>
+            </a:r>
+            <a:r>
+              <a:rPr lang="en-US" dirty="0"/>
+              <a:t> </a:t>
+            </a:r>
+            <a:r>
+              <a:rPr lang="en-US" b="1" dirty="0"/>
+              <a:t>Clusters</a:t>
+            </a:r>
+            <a:r>
+              <a:rPr lang="en-US" dirty="0"/>
+              <a:t> in the top-left corner of Atlas.</a:t>
+            </a:r>
+          </a:p>
+          <a:p>
+            <a:pPr marL="0" indent="0">
+              <a:buNone/>
+            </a:pPr>
+            <a:r>
+              <a:rPr lang="en-US" dirty="0" smtClean="0"/>
+              <a:t>    b. Click</a:t>
+            </a:r>
+            <a:r>
+              <a:rPr lang="en-US" dirty="0"/>
+              <a:t> </a:t>
+            </a:r>
+            <a:r>
+              <a:rPr lang="en-US" b="1" dirty="0"/>
+              <a:t>Collections</a:t>
+            </a:r>
+            <a:r>
+              <a:rPr lang="en-US" dirty="0"/>
+              <a:t> for your desired cluster</a:t>
+            </a:r>
+            <a:r>
+              <a:rPr lang="en-US" dirty="0" smtClean="0"/>
+              <a:t>.</a:t>
+            </a:r>
+          </a:p>
+          <a:p>
+            <a:r>
+              <a:rPr lang="en-US" dirty="0" smtClean="0"/>
+              <a:t>If you already have cluster, then select collections tab</a:t>
+            </a:r>
+            <a:endParaRPr lang="en-US" dirty="0"/>
+          </a:p>
+          <a:p>
             <a:endParaRPr lang="en-US" dirty="0"/>
           </a:p>
         </p:txBody>
       </p:sp>
       <p:sp>
         <p:nvSpPr>
-          <p:cNvPr id="6" name="Footer Placeholder 5"/>
+          <p:cNvPr id="4" name="Footer Placeholder 3"/>
           <p:cNvSpPr>
             <a:spLocks noGrp="1"/>
           </p:cNvSpPr>
@@ -17516,17 +17684,13 @@
           <a:bodyPr/>
           <a:lstStyle/>
           <a:p>
-            <a:r>
-              <a:rPr lang="en-US" dirty="0"/>
-              <a:t>Naga Anshitha Velagapudi</a:t>
-            </a:r>
             <a:endParaRPr lang="en-US" dirty="0"/>
           </a:p>
         </p:txBody>
       </p:sp>
       <p:sp>
         <p:nvSpPr>
-          <p:cNvPr id="7" name="Slide Number Placeholder 6"/>
+          <p:cNvPr id="5" name="Slide Number Placeholder 4"/>
           <p:cNvSpPr>
             <a:spLocks noGrp="1"/>
           </p:cNvSpPr>
@@ -17550,20 +17714,13 @@
     </p:spTree>
     <p:extLst>
       <p:ext uri="{BB962C8B-B14F-4D97-AF65-F5344CB8AC3E}">
-        <p14:creationId xmlns:p14="http://schemas.microsoft.com/office/powerpoint/2010/main" val="973823911"/>
+        <p14:creationId xmlns:p14="http://schemas.microsoft.com/office/powerpoint/2010/main" val="2950248997"/>
       </p:ext>
     </p:extLst>
   </p:cSld>
   <p:clrMapOvr>
     <a:masterClrMapping/>
   </p:clrMapOvr>
-  <p:timing>
-    <p:tnLst>
-      <p:par>
-        <p:cTn id="1" dur="indefinite" restart="never" nodeType="tmRoot"/>
-      </p:par>
-    </p:tnLst>
-  </p:timing>
 </p:sld>
 </file>
 
@@ -17599,39 +17756,429 @@
           <a:bodyPr/>
           <a:lstStyle/>
           <a:p>
-            <a:endParaRPr lang="en-US"/>
+            <a:r>
+              <a:rPr lang="en-US" dirty="0" smtClean="0"/>
+              <a:t>Required roles to manage databases </a:t>
+            </a:r>
+            <a:endParaRPr lang="en-US" dirty="0"/>
           </a:p>
         </p:txBody>
       </p:sp>
-      <p:pic>
-        <p:nvPicPr>
-          <p:cNvPr id="4" name="Content Placeholder 3"/>
-          <p:cNvPicPr>
-            <a:picLocks noGrp="1" noChangeAspect="1"/>
-          </p:cNvPicPr>
+      <p:graphicFrame>
+        <p:nvGraphicFramePr>
+          <p:cNvPr id="6" name="Content Placeholder 5"/>
+          <p:cNvGraphicFramePr>
+            <a:graphicFrameLocks noGrp="1"/>
+          </p:cNvGraphicFramePr>
           <p:nvPr>
             <p:ph idx="1"/>
+            <p:extLst>
+              <p:ext uri="{D42A27DB-BD31-4B8C-83A1-F6EECF244321}">
+                <p14:modId xmlns:p14="http://schemas.microsoft.com/office/powerpoint/2010/main" val="250520966"/>
+              </p:ext>
+            </p:extLst>
           </p:nvPr>
-        </p:nvPicPr>
-        <p:blipFill>
-          <a:blip r:embed="rId2"/>
-          <a:stretch>
-            <a:fillRect/>
-          </a:stretch>
-        </p:blipFill>
-        <p:spPr>
-          <a:xfrm>
-            <a:off x="338527" y="1662545"/>
-            <a:ext cx="11414602" cy="3470564"/>
-          </a:xfrm>
-          <a:prstGeom prst="rect">
-            <a:avLst/>
-          </a:prstGeom>
-        </p:spPr>
-      </p:pic>
+        </p:nvGraphicFramePr>
+        <p:xfrm>
+          <a:off x="5283994" y="1452880"/>
+          <a:ext cx="5949950" cy="4484683"/>
+        </p:xfrm>
+        <a:graphic>
+          <a:graphicData uri="http://schemas.openxmlformats.org/drawingml/2006/table">
+            <a:tbl>
+              <a:tblPr/>
+              <a:tblGrid>
+                <a:gridCol w="2974975">
+                  <a:extLst>
+                    <a:ext uri="{9D8B030D-6E8A-4147-A177-3AD203B41FA5}">
+                      <a16:colId xmlns:a16="http://schemas.microsoft.com/office/drawing/2014/main" val="1516553255"/>
+                    </a:ext>
+                  </a:extLst>
+                </a:gridCol>
+                <a:gridCol w="2974975">
+                  <a:extLst>
+                    <a:ext uri="{9D8B030D-6E8A-4147-A177-3AD203B41FA5}">
+                      <a16:colId xmlns:a16="http://schemas.microsoft.com/office/drawing/2014/main" val="1252959859"/>
+                    </a:ext>
+                  </a:extLst>
+                </a:gridCol>
+              </a:tblGrid>
+              <a:tr h="1029013">
+                <a:tc>
+                  <a:txBody>
+                    <a:bodyPr/>
+                    <a:lstStyle/>
+                    <a:p>
+                      <a:pPr algn="l"/>
+                      <a:r>
+                        <a:rPr lang="en-US" dirty="0">
+                          <a:effectLst/>
+                        </a:rPr>
+                        <a:t>View Databases and Collections</a:t>
+                      </a:r>
+                    </a:p>
+                  </a:txBody>
+                  <a:tcPr marL="47625" marR="47625" marT="104775" marB="114300" anchor="ctr">
+                    <a:lnL>
+                      <a:noFill/>
+                    </a:lnL>
+                    <a:lnR>
+                      <a:noFill/>
+                    </a:lnR>
+                    <a:lnT>
+                      <a:noFill/>
+                    </a:lnT>
+                    <a:lnB w="9525" cap="flat" cmpd="sng" algn="ctr">
+                      <a:solidFill>
+                        <a:srgbClr val="EBEBED"/>
+                      </a:solidFill>
+                      <a:prstDash val="solid"/>
+                      <a:round/>
+                      <a:headEnd type="none" w="med" len="med"/>
+                      <a:tailEnd type="none" w="med" len="med"/>
+                    </a:lnB>
+                    <a:solidFill>
+                      <a:srgbClr val="FFFFFF"/>
+                    </a:solidFill>
+                  </a:tcPr>
+                </a:tc>
+                <a:tc>
+                  <a:txBody>
+                    <a:bodyPr/>
+                    <a:lstStyle/>
+                    <a:p>
+                      <a:pPr algn="l"/>
+                      <a:r>
+                        <a:rPr lang="en-US" dirty="0">
+                          <a:effectLst/>
+                        </a:rPr>
+                        <a:t>At least </a:t>
+                      </a:r>
+                      <a:r>
+                        <a:rPr lang="en-US" dirty="0" smtClean="0">
+                          <a:effectLst/>
+                        </a:rPr>
+                        <a:t>the Project Data Read Only</a:t>
+                      </a:r>
+                      <a:r>
+                        <a:rPr lang="en-US" dirty="0">
+                          <a:effectLst/>
+                        </a:rPr>
+                        <a:t> role.</a:t>
+                      </a:r>
+                    </a:p>
+                  </a:txBody>
+                  <a:tcPr marL="47625" marR="47625" marT="104775" marB="114300" anchor="ctr">
+                    <a:lnL>
+                      <a:noFill/>
+                    </a:lnL>
+                    <a:lnR>
+                      <a:noFill/>
+                    </a:lnR>
+                    <a:lnT>
+                      <a:noFill/>
+                    </a:lnT>
+                    <a:lnB w="9525" cap="flat" cmpd="sng" algn="ctr">
+                      <a:solidFill>
+                        <a:srgbClr val="EBEBED"/>
+                      </a:solidFill>
+                      <a:prstDash val="solid"/>
+                      <a:round/>
+                      <a:headEnd type="none" w="med" len="med"/>
+                      <a:tailEnd type="none" w="med" len="med"/>
+                    </a:lnB>
+                    <a:solidFill>
+                      <a:srgbClr val="FFFFFF"/>
+                    </a:solidFill>
+                  </a:tcPr>
+                </a:tc>
+                <a:extLst>
+                  <a:ext uri="{0D108BD9-81ED-4DB2-BD59-A6C34878D82A}">
+                    <a16:rowId xmlns:a16="http://schemas.microsoft.com/office/drawing/2014/main" val="1812062436"/>
+                  </a:ext>
+                </a:extLst>
+              </a:tr>
+              <a:tr h="1841689">
+                <a:tc>
+                  <a:txBody>
+                    <a:bodyPr/>
+                    <a:lstStyle/>
+                    <a:p>
+                      <a:pPr algn="l"/>
+                      <a:r>
+                        <a:rPr lang="en-US">
+                          <a:effectLst/>
+                        </a:rPr>
+                        <a:t>Create Databases and Collections</a:t>
+                      </a:r>
+                    </a:p>
+                  </a:txBody>
+                  <a:tcPr marL="47625" marR="47625" marT="104775" marB="114300" anchor="ctr">
+                    <a:lnL>
+                      <a:noFill/>
+                    </a:lnL>
+                    <a:lnR>
+                      <a:noFill/>
+                    </a:lnR>
+                    <a:lnT w="9525" cap="flat" cmpd="sng" algn="ctr">
+                      <a:solidFill>
+                        <a:srgbClr val="EBEBED"/>
+                      </a:solidFill>
+                      <a:prstDash val="solid"/>
+                      <a:round/>
+                      <a:headEnd type="none" w="med" len="med"/>
+                      <a:tailEnd type="none" w="med" len="med"/>
+                    </a:lnT>
+                    <a:lnB w="9525" cap="flat" cmpd="sng" algn="ctr">
+                      <a:solidFill>
+                        <a:srgbClr val="EBEBED"/>
+                      </a:solidFill>
+                      <a:prstDash val="solid"/>
+                      <a:round/>
+                      <a:headEnd type="none" w="med" len="med"/>
+                      <a:tailEnd type="none" w="med" len="med"/>
+                    </a:lnB>
+                    <a:solidFill>
+                      <a:srgbClr val="FFFFFF"/>
+                    </a:solidFill>
+                  </a:tcPr>
+                </a:tc>
+                <a:tc>
+                  <a:txBody>
+                    <a:bodyPr/>
+                    <a:lstStyle/>
+                    <a:p>
+                      <a:pPr algn="l"/>
+                      <a:r>
+                        <a:rPr lang="en-US" dirty="0">
+                          <a:effectLst/>
+                        </a:rPr>
+                        <a:t>One of the following roles:</a:t>
+                      </a:r>
+                    </a:p>
+                    <a:p>
+                      <a:pPr algn="l">
+                        <a:buFont typeface="Arial" panose="020B0604020202020204" pitchFamily="34" charset="0"/>
+                        <a:buChar char="•"/>
+                      </a:pPr>
+                      <a:r>
+                        <a:rPr lang="en-US" dirty="0" smtClean="0">
+                          <a:effectLst/>
+                        </a:rPr>
+                        <a:t>  </a:t>
+                      </a:r>
+                      <a:r>
+                        <a:rPr lang="en-US" dirty="0">
+                          <a:effectLst/>
+                        </a:rPr>
+                        <a:t> </a:t>
+                      </a:r>
+                      <a:r>
+                        <a:rPr lang="en-US" dirty="0" smtClean="0">
+                          <a:effectLst/>
+                        </a:rPr>
+                        <a:t>Project Owner or Organization Owner</a:t>
+                      </a:r>
+                    </a:p>
+                    <a:p>
+                      <a:pPr algn="l">
+                        <a:buFont typeface="Arial" panose="020B0604020202020204" pitchFamily="34" charset="0"/>
+                        <a:buChar char="•"/>
+                      </a:pPr>
+                      <a:r>
+                        <a:rPr lang="en-US" dirty="0" smtClean="0">
+                          <a:effectLst/>
+                        </a:rPr>
+                        <a:t>   Project Data Access Admin</a:t>
+                      </a:r>
+                    </a:p>
+                    <a:p>
+                      <a:pPr algn="l">
+                        <a:buFont typeface="Arial" panose="020B0604020202020204" pitchFamily="34" charset="0"/>
+                        <a:buChar char="•"/>
+                      </a:pPr>
+                      <a:r>
+                        <a:rPr lang="en-US" dirty="0" smtClean="0">
+                          <a:effectLst/>
+                        </a:rPr>
+                        <a:t>   Project Data Access Read/Write</a:t>
+                      </a:r>
+                      <a:endParaRPr lang="en-US" dirty="0">
+                        <a:effectLst/>
+                      </a:endParaRPr>
+                    </a:p>
+                  </a:txBody>
+                  <a:tcPr marL="47625" marR="47625" marT="104775" marB="114300" anchor="ctr">
+                    <a:lnL>
+                      <a:noFill/>
+                    </a:lnL>
+                    <a:lnR>
+                      <a:noFill/>
+                    </a:lnR>
+                    <a:lnT w="9525" cap="flat" cmpd="sng" algn="ctr">
+                      <a:solidFill>
+                        <a:srgbClr val="EBEBED"/>
+                      </a:solidFill>
+                      <a:prstDash val="solid"/>
+                      <a:round/>
+                      <a:headEnd type="none" w="med" len="med"/>
+                      <a:tailEnd type="none" w="med" len="med"/>
+                    </a:lnT>
+                    <a:lnB w="9525" cap="flat" cmpd="sng" algn="ctr">
+                      <a:solidFill>
+                        <a:srgbClr val="EBEBED"/>
+                      </a:solidFill>
+                      <a:prstDash val="solid"/>
+                      <a:round/>
+                      <a:headEnd type="none" w="med" len="med"/>
+                      <a:tailEnd type="none" w="med" len="med"/>
+                    </a:lnB>
+                    <a:solidFill>
+                      <a:srgbClr val="FFFFFF"/>
+                    </a:solidFill>
+                  </a:tcPr>
+                </a:tc>
+                <a:extLst>
+                  <a:ext uri="{0D108BD9-81ED-4DB2-BD59-A6C34878D82A}">
+                    <a16:rowId xmlns:a16="http://schemas.microsoft.com/office/drawing/2014/main" val="317024412"/>
+                  </a:ext>
+                </a:extLst>
+              </a:tr>
+              <a:tr h="1029013">
+                <a:tc>
+                  <a:txBody>
+                    <a:bodyPr/>
+                    <a:lstStyle/>
+                    <a:p>
+                      <a:pPr algn="l"/>
+                      <a:r>
+                        <a:rPr lang="en-US" dirty="0">
+                          <a:effectLst/>
+                        </a:rPr>
+                        <a:t>Drop Databases and Collections</a:t>
+                      </a:r>
+                    </a:p>
+                  </a:txBody>
+                  <a:tcPr marL="47625" marR="47625" marT="104775" marB="114300" anchor="ctr">
+                    <a:lnL>
+                      <a:noFill/>
+                    </a:lnL>
+                    <a:lnR>
+                      <a:noFill/>
+                    </a:lnR>
+                    <a:lnT w="9525" cap="flat" cmpd="sng" algn="ctr">
+                      <a:solidFill>
+                        <a:srgbClr val="EBEBED"/>
+                      </a:solidFill>
+                      <a:prstDash val="solid"/>
+                      <a:round/>
+                      <a:headEnd type="none" w="med" len="med"/>
+                      <a:tailEnd type="none" w="med" len="med"/>
+                    </a:lnT>
+                    <a:lnB w="9525" cap="flat" cmpd="sng" algn="ctr">
+                      <a:solidFill>
+                        <a:srgbClr val="EBEBED"/>
+                      </a:solidFill>
+                      <a:prstDash val="solid"/>
+                      <a:round/>
+                      <a:headEnd type="none" w="med" len="med"/>
+                      <a:tailEnd type="none" w="med" len="med"/>
+                    </a:lnB>
+                    <a:solidFill>
+                      <a:srgbClr val="FFFFFF"/>
+                    </a:solidFill>
+                  </a:tcPr>
+                </a:tc>
+                <a:tc>
+                  <a:txBody>
+                    <a:bodyPr/>
+                    <a:lstStyle/>
+                    <a:p>
+                      <a:pPr algn="l"/>
+                      <a:r>
+                        <a:rPr lang="en-US" dirty="0">
+                          <a:effectLst/>
+                        </a:rPr>
+                        <a:t>One of the following roles</a:t>
+                      </a:r>
+                      <a:r>
+                        <a:rPr lang="en-US" dirty="0" smtClean="0">
+                          <a:effectLst/>
+                        </a:rPr>
+                        <a:t>:</a:t>
+                      </a:r>
+                    </a:p>
+                    <a:p>
+                      <a:pPr marL="285750" indent="-285750" algn="l">
+                        <a:buFont typeface="Arial" panose="020B0604020202020204" pitchFamily="34" charset="0"/>
+                        <a:buChar char="•"/>
+                      </a:pPr>
+                      <a:r>
+                        <a:rPr lang="en-US" dirty="0" smtClean="0">
+                          <a:effectLst/>
+                        </a:rPr>
+                        <a:t>Project Owner</a:t>
+                      </a:r>
+                    </a:p>
+                    <a:p>
+                      <a:pPr marL="285750" indent="-285750" algn="l">
+                        <a:buFont typeface="Arial" panose="020B0604020202020204" pitchFamily="34" charset="0"/>
+                        <a:buChar char="•"/>
+                      </a:pPr>
+                      <a:r>
+                        <a:rPr lang="en-US" dirty="0" smtClean="0">
+                          <a:effectLst/>
+                        </a:rPr>
+                        <a:t>Project Data Access Admin</a:t>
+                      </a:r>
+                      <a:endParaRPr lang="en-US" dirty="0">
+                        <a:effectLst/>
+                      </a:endParaRPr>
+                    </a:p>
+                  </a:txBody>
+                  <a:tcPr marL="47625" marR="47625" marT="104775" marB="114300" anchor="ctr">
+                    <a:lnL>
+                      <a:noFill/>
+                    </a:lnL>
+                    <a:lnR>
+                      <a:noFill/>
+                    </a:lnR>
+                    <a:lnT w="9525" cap="flat" cmpd="sng" algn="ctr">
+                      <a:solidFill>
+                        <a:srgbClr val="EBEBED"/>
+                      </a:solidFill>
+                      <a:prstDash val="solid"/>
+                      <a:round/>
+                      <a:headEnd type="none" w="med" len="med"/>
+                      <a:tailEnd type="none" w="med" len="med"/>
+                    </a:lnT>
+                    <a:lnB w="9525" cap="flat" cmpd="sng" algn="ctr">
+                      <a:solidFill>
+                        <a:srgbClr val="EBEBED"/>
+                      </a:solidFill>
+                      <a:prstDash val="solid"/>
+                      <a:round/>
+                      <a:headEnd type="none" w="med" len="med"/>
+                      <a:tailEnd type="none" w="med" len="med"/>
+                    </a:lnB>
+                    <a:solidFill>
+                      <a:srgbClr val="FFFFFF"/>
+                    </a:solidFill>
+                  </a:tcPr>
+                </a:tc>
+                <a:extLst>
+                  <a:ext uri="{0D108BD9-81ED-4DB2-BD59-A6C34878D82A}">
+                    <a16:rowId xmlns:a16="http://schemas.microsoft.com/office/drawing/2014/main" val="2787831471"/>
+                  </a:ext>
+                </a:extLst>
+              </a:tr>
+            </a:tbl>
+          </a:graphicData>
+        </a:graphic>
+      </p:graphicFrame>
       <p:sp>
         <p:nvSpPr>
-          <p:cNvPr id="5" name="Footer Placeholder 4"/>
+          <p:cNvPr id="4" name="Footer Placeholder 3"/>
           <p:cNvSpPr>
             <a:spLocks noGrp="1"/>
           </p:cNvSpPr>
@@ -17645,7 +18192,7 @@
           <a:lstStyle/>
           <a:p>
             <a:r>
-              <a:rPr lang="en-US" dirty="0"/>
+              <a:rPr lang="en-US" dirty="0" smtClean="0"/>
               <a:t>Naga Anshitha Velagapudi</a:t>
             </a:r>
             <a:endParaRPr lang="en-US" dirty="0"/>
@@ -17654,7 +18201,7 @@
       </p:sp>
       <p:sp>
         <p:nvSpPr>
-          <p:cNvPr id="6" name="Slide Number Placeholder 5"/>
+          <p:cNvPr id="5" name="Slide Number Placeholder 4"/>
           <p:cNvSpPr>
             <a:spLocks noGrp="1"/>
           </p:cNvSpPr>
@@ -17675,23 +18222,46 @@
           </a:p>
         </p:txBody>
       </p:sp>
+      <p:sp>
+        <p:nvSpPr>
+          <p:cNvPr id="7" name="TextBox 6"/>
+          <p:cNvSpPr txBox="1"/>
+          <p:nvPr/>
+        </p:nvSpPr>
+        <p:spPr>
+          <a:xfrm>
+            <a:off x="5268686" y="640080"/>
+            <a:ext cx="5936343" cy="369332"/>
+          </a:xfrm>
+          <a:prstGeom prst="rect">
+            <a:avLst/>
+          </a:prstGeom>
+          <a:noFill/>
+        </p:spPr>
+        <p:txBody>
+          <a:bodyPr wrap="square" rtlCol="0">
+            <a:spAutoFit/>
+          </a:bodyPr>
+          <a:lstStyle/>
+          <a:p>
+            <a:r>
+              <a:rPr lang="en-US" i="1" dirty="0" smtClean="0"/>
+              <a:t>Action						Required role</a:t>
+            </a:r>
+            <a:endParaRPr lang="en-US" i="1" dirty="0"/>
+          </a:p>
+        </p:txBody>
+      </p:sp>
     </p:spTree>
     <p:extLst>
       <p:ext uri="{BB962C8B-B14F-4D97-AF65-F5344CB8AC3E}">
-        <p14:creationId xmlns:p14="http://schemas.microsoft.com/office/powerpoint/2010/main" val="775815108"/>
+        <p14:creationId xmlns:p14="http://schemas.microsoft.com/office/powerpoint/2010/main" val="2244950924"/>
       </p:ext>
     </p:extLst>
   </p:cSld>
   <p:clrMapOvr>
     <a:masterClrMapping/>
   </p:clrMapOvr>
-  <p:timing>
-    <p:tnLst>
-      <p:par>
-        <p:cTn id="1" dur="indefinite" restart="never" nodeType="tmRoot"/>
-      </p:par>
-    </p:tnLst>
-  </p:timing>
 </p:sld>
 </file>
 
@@ -17728,10 +18298,9 @@
           <a:lstStyle/>
           <a:p>
             <a:r>
-              <a:rPr lang="en-US" dirty="0" smtClean="0"/>
-              <a:t>Update Operations</a:t>
-            </a:r>
-            <a:endParaRPr lang="en-US" dirty="0"/>
+              <a:rPr lang="en-US" dirty="0"/>
+              <a:t>Manage Documents in Data Explorer</a:t>
+            </a:r>
           </a:p>
         </p:txBody>
       </p:sp>
@@ -17751,67 +18320,57 @@
           <a:lstStyle/>
           <a:p>
             <a:r>
+              <a:rPr lang="en-US" dirty="0"/>
+              <a:t>Documents are individual records in a MongoDB collection and are the basic unit of data in MongoDB</a:t>
+            </a:r>
+            <a:r>
               <a:rPr lang="en-US" dirty="0" smtClean="0"/>
-              <a:t>Update Operation will modify the document which is already inserted in collection</a:t>
-            </a:r>
-          </a:p>
-          <a:p>
-            <a:r>
-              <a:rPr lang="en-US" dirty="0" smtClean="0"/>
-              <a:t>For updating one document</a:t>
-            </a:r>
-          </a:p>
-          <a:p>
-            <a:pPr marL="0" indent="0">
-              <a:buNone/>
-            </a:pPr>
+              <a:t>.</a:t>
+            </a:r>
             <a:r>
               <a:rPr lang="en-US" dirty="0"/>
               <a:t> </a:t>
             </a:r>
+            <a:endParaRPr lang="en-US" dirty="0" smtClean="0"/>
+          </a:p>
+          <a:p>
             <a:r>
               <a:rPr lang="en-US" dirty="0" smtClean="0"/>
-              <a:t>    Method – db.collection.updateOne()</a:t>
-            </a:r>
-          </a:p>
-          <a:p>
+              <a:t>Viewing </a:t>
+            </a:r>
+            <a:r>
+              <a:rPr lang="en-US" dirty="0"/>
+              <a:t>documents and collections in the </a:t>
+            </a:r>
+            <a:r>
+              <a:rPr lang="en-US" b="1" dirty="0"/>
+              <a:t>Data Explorer</a:t>
+            </a:r>
+            <a:r>
+              <a:rPr lang="en-US" dirty="0"/>
+              <a:t> can provide a high-level overview of your database schema</a:t>
+            </a:r>
             <a:r>
               <a:rPr lang="en-US" dirty="0" smtClean="0"/>
-              <a:t>For updating many documents</a:t>
-            </a:r>
-          </a:p>
-          <a:p>
-            <a:pPr marL="0" indent="0">
-              <a:buNone/>
-            </a:pPr>
-            <a:r>
-              <a:rPr lang="en-US" dirty="0" smtClean="0"/>
-              <a:t>    Method – db.collection.updateMany()</a:t>
-            </a:r>
-          </a:p>
-          <a:p>
-            <a:r>
-              <a:rPr lang="en-US" dirty="0" smtClean="0"/>
-              <a:t>For replacing a document</a:t>
-            </a:r>
-          </a:p>
-          <a:p>
-            <a:pPr marL="0" indent="0">
-              <a:buNone/>
-            </a:pPr>
+              <a:t>.</a:t>
+            </a:r>
+          </a:p>
+          <a:p>
             <a:r>
               <a:rPr lang="en-US" dirty="0"/>
-              <a:t> </a:t>
-            </a:r>
-            <a:r>
-              <a:rPr lang="en-US" dirty="0" smtClean="0"/>
-              <a:t>   Method – db.collection.replaceOne()</a:t>
-            </a:r>
-          </a:p>
-          <a:p>
-            <a:pPr marL="0" indent="0">
-              <a:buNone/>
-            </a:pPr>
+              <a:t>You can use the </a:t>
+            </a:r>
+            <a:r>
+              <a:rPr lang="en-US" b="1" dirty="0"/>
+              <a:t>Data Explorer</a:t>
+            </a:r>
+            <a:r>
+              <a:rPr lang="en-US" dirty="0"/>
+              <a:t> to ensure you are following MongoDB’s core data modeling concepts, such as utilizing embedded documents and arrays.</a:t>
+            </a:r>
+            <a:endParaRPr lang="en-US" dirty="0" smtClean="0"/>
+          </a:p>
+          <a:p>
             <a:endParaRPr lang="en-US" dirty="0"/>
           </a:p>
         </p:txBody>
@@ -17831,10 +18390,6 @@
           <a:bodyPr/>
           <a:lstStyle/>
           <a:p>
-            <a:r>
-              <a:rPr lang="en-US" dirty="0"/>
-              <a:t>Naga Anshitha Velagapudi</a:t>
-            </a:r>
             <a:endParaRPr lang="en-US" dirty="0"/>
           </a:p>
         </p:txBody>
@@ -17865,20 +18420,13 @@
     </p:spTree>
     <p:extLst>
       <p:ext uri="{BB962C8B-B14F-4D97-AF65-F5344CB8AC3E}">
-        <p14:creationId xmlns:p14="http://schemas.microsoft.com/office/powerpoint/2010/main" val="3509370204"/>
+        <p14:creationId xmlns:p14="http://schemas.microsoft.com/office/powerpoint/2010/main" val="4289578919"/>
       </p:ext>
     </p:extLst>
   </p:cSld>
   <p:clrMapOvr>
     <a:masterClrMapping/>
   </p:clrMapOvr>
-  <p:timing>
-    <p:tnLst>
-      <p:par>
-        <p:cTn id="1" dur="indefinite" restart="never" nodeType="tmRoot"/>
-      </p:par>
-    </p:tnLst>
-  </p:timing>
 </p:sld>
 </file>
 
@@ -17909,49 +18457,21 @@
             <p:ph type="title"/>
           </p:nvPr>
         </p:nvSpPr>
-        <p:spPr>
-          <a:xfrm>
-            <a:off x="888631" y="0"/>
-            <a:ext cx="3498979" cy="2456442"/>
-          </a:xfrm>
-        </p:spPr>
+        <p:spPr/>
         <p:txBody>
           <a:bodyPr/>
           <a:lstStyle/>
           <a:p>
-            <a:endParaRPr lang="en-US" dirty="0"/>
+            <a:r>
+              <a:rPr lang="en-US" dirty="0"/>
+              <a:t>Required Roles</a:t>
+            </a:r>
           </a:p>
         </p:txBody>
       </p:sp>
-      <p:pic>
-        <p:nvPicPr>
-          <p:cNvPr id="4" name="Content Placeholder 3"/>
-          <p:cNvPicPr>
-            <a:picLocks noGrp="1" noChangeAspect="1"/>
-          </p:cNvPicPr>
-          <p:nvPr>
-            <p:ph idx="1"/>
-          </p:nvPr>
-        </p:nvPicPr>
-        <p:blipFill>
-          <a:blip r:embed="rId2"/>
-          <a:stretch>
-            <a:fillRect/>
-          </a:stretch>
-        </p:blipFill>
-        <p:spPr>
-          <a:xfrm>
-            <a:off x="561109" y="1662545"/>
-            <a:ext cx="11242963" cy="3532909"/>
-          </a:xfrm>
-          <a:prstGeom prst="rect">
-            <a:avLst/>
-          </a:prstGeom>
-        </p:spPr>
-      </p:pic>
       <p:sp>
         <p:nvSpPr>
-          <p:cNvPr id="5" name="Footer Placeholder 4"/>
+          <p:cNvPr id="4" name="Footer Placeholder 3"/>
           <p:cNvSpPr>
             <a:spLocks noGrp="1"/>
           </p:cNvSpPr>
@@ -17964,17 +18484,13 @@
           <a:bodyPr/>
           <a:lstStyle/>
           <a:p>
-            <a:r>
-              <a:rPr lang="en-US" dirty="0"/>
-              <a:t>Naga Anshitha Velagapudi</a:t>
-            </a:r>
             <a:endParaRPr lang="en-US" dirty="0"/>
           </a:p>
         </p:txBody>
       </p:sp>
       <p:sp>
         <p:nvSpPr>
-          <p:cNvPr id="6" name="Slide Number Placeholder 5"/>
+          <p:cNvPr id="5" name="Slide Number Placeholder 4"/>
           <p:cNvSpPr>
             <a:spLocks noGrp="1"/>
           </p:cNvSpPr>
@@ -17995,23 +18511,165 @@
           </a:p>
         </p:txBody>
       </p:sp>
+      <p:sp>
+        <p:nvSpPr>
+          <p:cNvPr id="6" name="Rectangle 1"/>
+          <p:cNvSpPr>
+            <a:spLocks noGrp="1" noChangeArrowheads="1"/>
+          </p:cNvSpPr>
+          <p:nvPr>
+            <p:ph idx="1"/>
+          </p:nvPr>
+        </p:nvSpPr>
+        <p:spPr bwMode="auto">
+          <a:xfrm>
+            <a:off x="4719505" y="1147911"/>
+            <a:ext cx="184731" cy="366739"/>
+          </a:xfrm>
+          <a:prstGeom prst="rect">
+            <a:avLst/>
+          </a:prstGeom>
+          <a:solidFill>
+            <a:srgbClr val="FFFFFF"/>
+          </a:solidFill>
+          <a:ln>
+            <a:noFill/>
+          </a:ln>
+          <a:effectLst/>
+          <a:extLst>
+            <a:ext uri="{91240B29-F687-4F45-9708-019B960494DF}">
+              <a14:hiddenLine xmlns:a14="http://schemas.microsoft.com/office/drawing/2010/main" w="9525">
+                <a:solidFill>
+                  <a:schemeClr val="tx1"/>
+                </a:solidFill>
+                <a:miter lim="800000"/>
+                <a:headEnd/>
+                <a:tailEnd/>
+              </a14:hiddenLine>
+            </a:ext>
+            <a:ext uri="{AF507438-7753-43E0-B8FC-AC1667EBCBE1}">
+              <a14:hiddenEffects xmlns:a14="http://schemas.microsoft.com/office/drawing/2010/main">
+                <a:effectLst>
+                  <a:outerShdw dist="35921" dir="2700000" algn="ctr" rotWithShape="0">
+                    <a:schemeClr val="bg2"/>
+                  </a:outerShdw>
+                </a:effectLst>
+              </a14:hiddenEffects>
+            </a:ext>
+          </a:extLst>
+        </p:spPr>
+        <p:txBody>
+          <a:bodyPr vert="horz" wrap="none" lIns="91440" tIns="0" rIns="91440" bIns="88872" numCol="1" anchor="ctr" anchorCtr="0" compatLnSpc="1">
+            <a:prstTxWarp prst="textNoShape">
+              <a:avLst/>
+            </a:prstTxWarp>
+            <a:spAutoFit/>
+          </a:bodyPr>
+          <a:lstStyle/>
+          <a:p>
+            <a:pPr marL="0" marR="0" lvl="0" indent="0" algn="l" defTabSz="914400" rtl="0" eaLnBrk="0" fontAlgn="base" latinLnBrk="0" hangingPunct="0">
+              <a:lnSpc>
+                <a:spcPct val="100000"/>
+              </a:lnSpc>
+              <a:spcBef>
+                <a:spcPct val="0"/>
+              </a:spcBef>
+              <a:spcAft>
+                <a:spcPct val="0"/>
+              </a:spcAft>
+              <a:buClrTx/>
+              <a:buSzTx/>
+              <a:buFontTx/>
+              <a:buNone/>
+              <a:tabLst/>
+            </a:pPr>
+            <a:endParaRPr kumimoji="0" lang="en-US" altLang="en-US" sz="1800" b="0" i="0" u="none" strike="noStrike" cap="none" normalizeH="0" baseline="0" dirty="0" smtClean="0">
+              <a:ln>
+                <a:noFill/>
+              </a:ln>
+              <a:solidFill>
+                <a:schemeClr val="tx1"/>
+              </a:solidFill>
+              <a:effectLst/>
+              <a:latin typeface="Arial" panose="020B0604020202020204" pitchFamily="34" charset="0"/>
+            </a:endParaRPr>
+          </a:p>
+        </p:txBody>
+      </p:sp>
+      <p:sp>
+        <p:nvSpPr>
+          <p:cNvPr id="7" name="TextBox 6"/>
+          <p:cNvSpPr txBox="1"/>
+          <p:nvPr/>
+        </p:nvSpPr>
+        <p:spPr>
+          <a:xfrm>
+            <a:off x="4746171" y="2349925"/>
+            <a:ext cx="6937829" cy="1477328"/>
+          </a:xfrm>
+          <a:prstGeom prst="rect">
+            <a:avLst/>
+          </a:prstGeom>
+          <a:noFill/>
+        </p:spPr>
+        <p:txBody>
+          <a:bodyPr wrap="square" rtlCol="0">
+            <a:spAutoFit/>
+          </a:bodyPr>
+          <a:lstStyle/>
+          <a:p>
+            <a:r>
+              <a:rPr lang="en-US" dirty="0" smtClean="0"/>
+              <a:t>To insert, edit or delete documents, you must have been granted access through one of the following roles:</a:t>
+            </a:r>
+          </a:p>
+          <a:p>
+            <a:pPr marL="285750" indent="-285750">
+              <a:buFont typeface="Arial" panose="020B0604020202020204" pitchFamily="34" charset="0"/>
+              <a:buChar char="•"/>
+            </a:pPr>
+            <a:r>
+              <a:rPr lang="en-US" dirty="0"/>
+              <a:t> </a:t>
+            </a:r>
+            <a:r>
+              <a:rPr lang="en-US" dirty="0" smtClean="0"/>
+              <a:t>Project Owner or Organization Owner</a:t>
+            </a:r>
+          </a:p>
+          <a:p>
+            <a:pPr marL="285750" indent="-285750">
+              <a:buFont typeface="Arial" panose="020B0604020202020204" pitchFamily="34" charset="0"/>
+              <a:buChar char="•"/>
+            </a:pPr>
+            <a:r>
+              <a:rPr lang="en-US" dirty="0" smtClean="0"/>
+              <a:t>Project Data Access Admin</a:t>
+            </a:r>
+          </a:p>
+          <a:p>
+            <a:pPr marL="285750" indent="-285750">
+              <a:buFont typeface="Arial" panose="020B0604020202020204" pitchFamily="34" charset="0"/>
+              <a:buChar char="•"/>
+            </a:pPr>
+            <a:r>
+              <a:rPr lang="en-US" dirty="0" smtClean="0"/>
+              <a:t>Project Data Access Read/Write</a:t>
+            </a:r>
+            <a:endParaRPr lang="en-US" dirty="0"/>
+          </a:p>
+        </p:txBody>
+      </p:sp>
     </p:spTree>
     <p:extLst>
       <p:ext uri="{BB962C8B-B14F-4D97-AF65-F5344CB8AC3E}">
-        <p14:creationId xmlns:p14="http://schemas.microsoft.com/office/powerpoint/2010/main" val="3788540301"/>
+        <p14:creationId xmlns:p14="http://schemas.microsoft.com/office/powerpoint/2010/main" val="2981298814"/>
       </p:ext>
     </p:extLst>
   </p:cSld>
   <p:clrMapOvr>
     <a:masterClrMapping/>
   </p:clrMapOvr>
-  <p:timing>
-    <p:tnLst>
-      <p:par>
-        <p:cTn id="1" dur="indefinite" restart="never" nodeType="tmRoot"/>
-      </p:par>
-    </p:tnLst>
-  </p:timing>
 </p:sld>
 </file>
 
@@ -18048,10 +18706,9 @@
           <a:lstStyle/>
           <a:p>
             <a:r>
-              <a:rPr lang="en-US" dirty="0" smtClean="0"/>
-              <a:t>Delete Operations</a:t>
-            </a:r>
-            <a:endParaRPr lang="en-US" dirty="0"/>
+              <a:rPr lang="en-US" dirty="0"/>
+              <a:t>View Documents</a:t>
+            </a:r>
           </a:p>
         </p:txBody>
       </p:sp>
@@ -18071,26 +18728,12 @@
           <a:lstStyle/>
           <a:p>
             <a:r>
+              <a:rPr lang="en-US" dirty="0"/>
+              <a:t>To view documents for a collection</a:t>
+            </a:r>
+            <a:r>
               <a:rPr lang="en-US" dirty="0" smtClean="0"/>
-              <a:t>Delete Operation will delete documents from given collection or selected item/field.</a:t>
-            </a:r>
-          </a:p>
-          <a:p>
-            <a:r>
-              <a:rPr lang="en-US" dirty="0"/>
-              <a:t>For </a:t>
-            </a:r>
-            <a:r>
-              <a:rPr lang="en-US" dirty="0" smtClean="0"/>
-              <a:t>deleting </a:t>
-            </a:r>
-            <a:r>
-              <a:rPr lang="en-US" dirty="0"/>
-              <a:t>one </a:t>
-            </a:r>
-            <a:r>
-              <a:rPr lang="en-US" dirty="0" smtClean="0"/>
-              <a:t>document</a:t>
+              <a:t>:</a:t>
             </a:r>
           </a:p>
           <a:p>
@@ -18098,14 +18741,12 @@
               <a:buNone/>
             </a:pPr>
             <a:r>
+              <a:rPr lang="en-US" dirty="0"/>
+              <a:t> </a:t>
+            </a:r>
+            <a:r>
               <a:rPr lang="en-US" dirty="0" smtClean="0"/>
-              <a:t>    Method – db.collection.deleteOne()</a:t>
-            </a:r>
-          </a:p>
-          <a:p>
-            <a:r>
-              <a:rPr lang="en-US" dirty="0" smtClean="0"/>
-              <a:t>For deleting many documents</a:t>
+              <a:t>   a. Select database for the collection</a:t>
             </a:r>
           </a:p>
           <a:p>
@@ -18113,12 +18754,52 @@
               <a:buNone/>
             </a:pPr>
             <a:r>
+              <a:rPr lang="en-US" dirty="0"/>
+              <a:t> </a:t>
+            </a:r>
+            <a:r>
               <a:rPr lang="en-US" dirty="0" smtClean="0"/>
-              <a:t>    Method – db.collection.deleteMany()</a:t>
-            </a:r>
-            <a:endParaRPr lang="en-US" dirty="0"/>
-          </a:p>
-          <a:p>
+              <a:t>   b. Select the collection on the left-hand side or in the main panel</a:t>
+            </a:r>
+          </a:p>
+          <a:p>
+            <a:pPr marL="0" indent="0">
+              <a:buNone/>
+            </a:pPr>
+            <a:r>
+              <a:rPr lang="en-US" dirty="0"/>
+              <a:t> </a:t>
+            </a:r>
+            <a:r>
+              <a:rPr lang="en-US" dirty="0" smtClean="0"/>
+              <a:t>    c.  Select the find button</a:t>
+            </a:r>
+          </a:p>
+          <a:p>
+            <a:pPr marL="0" indent="0">
+              <a:buNone/>
+            </a:pPr>
+            <a:r>
+              <a:rPr lang="en-US" dirty="0"/>
+              <a:t> </a:t>
+            </a:r>
+            <a:r>
+              <a:rPr lang="en-US" dirty="0" smtClean="0"/>
+              <a:t>    d. Enter query(Optional)</a:t>
+            </a:r>
+          </a:p>
+          <a:p>
+            <a:pPr marL="0" indent="0">
+              <a:buNone/>
+            </a:pPr>
+            <a:r>
+              <a:rPr lang="en-US" dirty="0"/>
+              <a:t> </a:t>
+            </a:r>
+            <a:r>
+              <a:rPr lang="en-US" dirty="0" smtClean="0"/>
+              <a:t>    e. Click on find</a:t>
+            </a:r>
             <a:endParaRPr lang="en-US" dirty="0"/>
           </a:p>
         </p:txBody>
@@ -18138,10 +18819,6 @@
           <a:bodyPr/>
           <a:lstStyle/>
           <a:p>
-            <a:r>
-              <a:rPr lang="en-US" dirty="0"/>
-              <a:t>Naga Anshitha Velagapudi</a:t>
-            </a:r>
             <a:endParaRPr lang="en-US" dirty="0"/>
           </a:p>
         </p:txBody>
@@ -18172,20 +18849,13 @@
     </p:spTree>
     <p:extLst>
       <p:ext uri="{BB962C8B-B14F-4D97-AF65-F5344CB8AC3E}">
-        <p14:creationId xmlns:p14="http://schemas.microsoft.com/office/powerpoint/2010/main" val="2860615662"/>
+        <p14:creationId xmlns:p14="http://schemas.microsoft.com/office/powerpoint/2010/main" val="2747665801"/>
       </p:ext>
     </p:extLst>
   </p:cSld>
   <p:clrMapOvr>
     <a:masterClrMapping/>
   </p:clrMapOvr>
-  <p:timing>
-    <p:tnLst>
-      <p:par>
-        <p:cTn id="1" dur="indefinite" restart="never" nodeType="tmRoot"/>
-      </p:par>
-    </p:tnLst>
-  </p:timing>
 </p:sld>
 </file>
 

--- a/CRUD Operations/MongoDB CRUD Operations.pptx
+++ b/CRUD Operations/MongoDB CRUD Operations.pptx
@@ -16323,6 +16323,10 @@
           <a:bodyPr/>
           <a:lstStyle/>
           <a:p>
+            <a:r>
+              <a:rPr lang="en-US" dirty="0"/>
+              <a:t>Naga Anshitha Velagapudi</a:t>
+            </a:r>
             <a:endParaRPr lang="en-US" dirty="0"/>
           </a:p>
         </p:txBody>
@@ -16360,6 +16364,13 @@
   <p:clrMapOvr>
     <a:masterClrMapping/>
   </p:clrMapOvr>
+  <p:timing>
+    <p:tnLst>
+      <p:par>
+        <p:cTn id="1" dur="indefinite" restart="never" nodeType="tmRoot"/>
+      </p:par>
+    </p:tnLst>
+  </p:timing>
 </p:sld>
 </file>
 
@@ -16396,7 +16407,7 @@
           <a:lstStyle/>
           <a:p>
             <a:r>
-              <a:rPr lang="en-US" b="1" dirty="0"/>
+              <a:rPr lang="en-US" dirty="0"/>
               <a:t>Clone One Document</a:t>
             </a:r>
           </a:p>
@@ -16488,6 +16499,10 @@
           <a:bodyPr/>
           <a:lstStyle/>
           <a:p>
+            <a:r>
+              <a:rPr lang="en-US" dirty="0"/>
+              <a:t>Naga Anshitha Velagapudi</a:t>
+            </a:r>
             <a:endParaRPr lang="en-US" dirty="0"/>
           </a:p>
         </p:txBody>
@@ -16525,6 +16540,13 @@
   <p:clrMapOvr>
     <a:masterClrMapping/>
   </p:clrMapOvr>
+  <p:timing>
+    <p:tnLst>
+      <p:par>
+        <p:cTn id="1" dur="indefinite" restart="never" nodeType="tmRoot"/>
+      </p:par>
+    </p:tnLst>
+  </p:timing>
 </p:sld>
 </file>
 
@@ -16644,6 +16666,10 @@
           <a:bodyPr/>
           <a:lstStyle/>
           <a:p>
+            <a:r>
+              <a:rPr lang="en-US" dirty="0"/>
+              <a:t>Naga Anshitha Velagapudi</a:t>
+            </a:r>
             <a:endParaRPr lang="en-US" dirty="0"/>
           </a:p>
         </p:txBody>
@@ -16681,6 +16707,13 @@
   <p:clrMapOvr>
     <a:masterClrMapping/>
   </p:clrMapOvr>
+  <p:timing>
+    <p:tnLst>
+      <p:par>
+        <p:cTn id="1" dur="indefinite" restart="never" nodeType="tmRoot"/>
+      </p:par>
+    </p:tnLst>
+  </p:timing>
 </p:sld>
 </file>
 
@@ -16815,6 +16848,10 @@
           <a:bodyPr/>
           <a:lstStyle/>
           <a:p>
+            <a:r>
+              <a:rPr lang="en-US" dirty="0"/>
+              <a:t>Naga Anshitha Velagapudi</a:t>
+            </a:r>
             <a:endParaRPr lang="en-US" dirty="0"/>
           </a:p>
         </p:txBody>
@@ -16852,6 +16889,13 @@
   <p:clrMapOvr>
     <a:masterClrMapping/>
   </p:clrMapOvr>
+  <p:timing>
+    <p:tnLst>
+      <p:par>
+        <p:cTn id="1" dur="indefinite" restart="never" nodeType="tmRoot"/>
+      </p:par>
+    </p:tnLst>
+  </p:timing>
 </p:sld>
 </file>
 
@@ -17024,6 +17068,14 @@
           <a:bodyPr/>
           <a:lstStyle/>
           <a:p>
+            <a:r>
+              <a:rPr lang="en-US" dirty="0" smtClean="0"/>
+              <a:t>Naga </a:t>
+            </a:r>
+            <a:r>
+              <a:rPr lang="en-US" smtClean="0"/>
+              <a:t>Anshitha Velagapudi</a:t>
+            </a:r>
             <a:endParaRPr lang="en-US" dirty="0"/>
           </a:p>
         </p:txBody>
@@ -17061,6 +17113,13 @@
   <p:clrMapOvr>
     <a:masterClrMapping/>
   </p:clrMapOvr>
+  <p:timing>
+    <p:tnLst>
+      <p:par>
+        <p:cTn id="1" dur="indefinite" restart="never" nodeType="tmRoot"/>
+      </p:par>
+    </p:tnLst>
+  </p:timing>
 </p:sld>
 </file>
 
@@ -17339,6 +17398,10 @@
           <a:bodyPr/>
           <a:lstStyle/>
           <a:p>
+            <a:r>
+              <a:rPr lang="en-US" dirty="0"/>
+              <a:t>Naga Anshitha Velagapudi</a:t>
+            </a:r>
             <a:endParaRPr lang="en-US" dirty="0"/>
           </a:p>
         </p:txBody>
@@ -17376,6 +17439,13 @@
   <p:clrMapOvr>
     <a:masterClrMapping/>
   </p:clrMapOvr>
+  <p:timing>
+    <p:tnLst>
+      <p:par>
+        <p:cTn id="1" dur="indefinite" restart="never" nodeType="tmRoot"/>
+      </p:par>
+    </p:tnLst>
+  </p:timing>
 </p:sld>
 </file>
 
@@ -17425,7 +17495,12 @@
             <p:ph idx="1"/>
           </p:nvPr>
         </p:nvSpPr>
-        <p:spPr/>
+        <p:spPr>
+          <a:xfrm>
+            <a:off x="5102407" y="1391015"/>
+            <a:ext cx="6281873" cy="5248622"/>
+          </a:xfrm>
+        </p:spPr>
         <p:txBody>
           <a:bodyPr/>
           <a:lstStyle/>
@@ -17448,10 +17523,10 @@
             </a:r>
           </a:p>
           <a:p>
-            <a:r>
-              <a:rPr lang="en-US" dirty="0" smtClean="0"/>
-              <a:t>Create and run aggregation pipelines to process data in your collections</a:t>
-            </a:r>
+            <a:pPr marL="0" indent="0">
+              <a:buNone/>
+            </a:pPr>
+            <a:endParaRPr lang="en-US" dirty="0" smtClean="0"/>
           </a:p>
           <a:p>
             <a:endParaRPr lang="en-US" dirty="0" smtClean="0"/>
@@ -17476,6 +17551,10 @@
           <a:bodyPr/>
           <a:lstStyle/>
           <a:p>
+            <a:r>
+              <a:rPr lang="en-US" dirty="0"/>
+              <a:t>Naga Anshitha Velagapudi</a:t>
+            </a:r>
             <a:endParaRPr lang="en-US" dirty="0"/>
           </a:p>
         </p:txBody>
@@ -17513,6 +17592,13 @@
   <p:clrMapOvr>
     <a:masterClrMapping/>
   </p:clrMapOvr>
+  <p:timing>
+    <p:tnLst>
+      <p:par>
+        <p:cTn id="1" dur="indefinite" restart="never" nodeType="tmRoot"/>
+      </p:par>
+    </p:tnLst>
+  </p:timing>
 </p:sld>
 </file>
 
@@ -17684,6 +17770,10 @@
           <a:bodyPr/>
           <a:lstStyle/>
           <a:p>
+            <a:r>
+              <a:rPr lang="en-US" dirty="0"/>
+              <a:t>Naga Anshitha Velagapudi</a:t>
+            </a:r>
             <a:endParaRPr lang="en-US" dirty="0"/>
           </a:p>
         </p:txBody>
@@ -17721,6 +17811,13 @@
   <p:clrMapOvr>
     <a:masterClrMapping/>
   </p:clrMapOvr>
+  <p:timing>
+    <p:tnLst>
+      <p:par>
+        <p:cTn id="1" dur="indefinite" restart="never" nodeType="tmRoot"/>
+      </p:par>
+    </p:tnLst>
+  </p:timing>
 </p:sld>
 </file>
 
@@ -18262,6 +18359,13 @@
   <p:clrMapOvr>
     <a:masterClrMapping/>
   </p:clrMapOvr>
+  <p:timing>
+    <p:tnLst>
+      <p:par>
+        <p:cTn id="1" dur="indefinite" restart="never" nodeType="tmRoot"/>
+      </p:par>
+    </p:tnLst>
+  </p:timing>
 </p:sld>
 </file>
 
@@ -18390,6 +18494,10 @@
           <a:bodyPr/>
           <a:lstStyle/>
           <a:p>
+            <a:r>
+              <a:rPr lang="en-US" dirty="0"/>
+              <a:t>Naga Anshitha Velagapudi</a:t>
+            </a:r>
             <a:endParaRPr lang="en-US" dirty="0"/>
           </a:p>
         </p:txBody>
@@ -18427,6 +18535,13 @@
   <p:clrMapOvr>
     <a:masterClrMapping/>
   </p:clrMapOvr>
+  <p:timing>
+    <p:tnLst>
+      <p:par>
+        <p:cTn id="1" dur="indefinite" restart="never" nodeType="tmRoot"/>
+      </p:par>
+    </p:tnLst>
+  </p:timing>
 </p:sld>
 </file>
 
@@ -18484,6 +18599,10 @@
           <a:bodyPr/>
           <a:lstStyle/>
           <a:p>
+            <a:r>
+              <a:rPr lang="en-US" dirty="0"/>
+              <a:t>Naga Anshitha Velagapudi</a:t>
+            </a:r>
             <a:endParaRPr lang="en-US" dirty="0"/>
           </a:p>
         </p:txBody>
@@ -18670,6 +18789,13 @@
   <p:clrMapOvr>
     <a:masterClrMapping/>
   </p:clrMapOvr>
+  <p:timing>
+    <p:tnLst>
+      <p:par>
+        <p:cTn id="1" dur="indefinite" restart="never" nodeType="tmRoot"/>
+      </p:par>
+    </p:tnLst>
+  </p:timing>
 </p:sld>
 </file>
 
@@ -18819,6 +18945,10 @@
           <a:bodyPr/>
           <a:lstStyle/>
           <a:p>
+            <a:r>
+              <a:rPr lang="en-US" dirty="0"/>
+              <a:t>Naga Anshitha Velagapudi</a:t>
+            </a:r>
             <a:endParaRPr lang="en-US" dirty="0"/>
           </a:p>
         </p:txBody>
@@ -18856,6 +18986,13 @@
   <p:clrMapOvr>
     <a:masterClrMapping/>
   </p:clrMapOvr>
+  <p:timing>
+    <p:tnLst>
+      <p:par>
+        <p:cTn id="1" dur="indefinite" restart="never" nodeType="tmRoot"/>
+      </p:par>
+    </p:tnLst>
+  </p:timing>
 </p:sld>
 </file>
 
